--- a/data/prezentacije/politika/001_UG_pojam_politike.pptx
+++ b/data/prezentacije/politika/001_UG_pojam_politike.pptx
@@ -24443,30 +24443,9 @@
           <a:prstGeom prst="rect">
             <a:avLst/>
           </a:prstGeom>
-          <a:gradFill flip="none" rotWithShape="1">
-            <a:gsLst>
-              <a:gs pos="0">
-                <a:srgbClr val="C00000">
-                  <a:shade val="30000"/>
-                  <a:satMod val="115000"/>
-                </a:srgbClr>
-              </a:gs>
-              <a:gs pos="50000">
-                <a:srgbClr val="C00000">
-                  <a:shade val="67500"/>
-                  <a:satMod val="115000"/>
-                </a:srgbClr>
-              </a:gs>
-              <a:gs pos="100000">
-                <a:srgbClr val="C00000">
-                  <a:shade val="100000"/>
-                  <a:satMod val="115000"/>
-                </a:srgbClr>
-              </a:gs>
-            </a:gsLst>
-            <a:lin ang="16200000" scaled="1"/>
-            <a:tileRect/>
-          </a:gradFill>
+          <a:solidFill>
+            <a:srgbClr val="CC0000"/>
+          </a:solidFill>
           <a:ln w="38100" cap="flat" cmpd="sng" algn="ctr">
             <a:solidFill>
               <a:schemeClr val="tx1"/>
@@ -24524,33 +24503,9 @@
           <a:prstGeom prst="rect">
             <a:avLst/>
           </a:prstGeom>
-          <a:gradFill flip="none" rotWithShape="1">
-            <a:gsLst>
-              <a:gs pos="0">
-                <a:schemeClr val="accent4">
-                  <a:lumMod val="50000"/>
-                  <a:shade val="30000"/>
-                  <a:satMod val="115000"/>
-                </a:schemeClr>
-              </a:gs>
-              <a:gs pos="50000">
-                <a:schemeClr val="accent4">
-                  <a:lumMod val="50000"/>
-                  <a:shade val="67500"/>
-                  <a:satMod val="115000"/>
-                </a:schemeClr>
-              </a:gs>
-              <a:gs pos="100000">
-                <a:schemeClr val="accent4">
-                  <a:lumMod val="50000"/>
-                  <a:shade val="100000"/>
-                  <a:satMod val="115000"/>
-                </a:schemeClr>
-              </a:gs>
-            </a:gsLst>
-            <a:lin ang="16200000" scaled="1"/>
-            <a:tileRect/>
-          </a:gradFill>
+          <a:solidFill>
+            <a:srgbClr val="002060"/>
+          </a:solidFill>
           <a:ln w="38100" cap="flat" cmpd="sng" algn="ctr">
             <a:solidFill>
               <a:schemeClr val="tx1"/>
@@ -24608,30 +24563,9 @@
           <a:prstGeom prst="rect">
             <a:avLst/>
           </a:prstGeom>
-          <a:gradFill flip="none" rotWithShape="1">
-            <a:gsLst>
-              <a:gs pos="0">
-                <a:srgbClr val="00682F">
-                  <a:shade val="30000"/>
-                  <a:satMod val="115000"/>
-                </a:srgbClr>
-              </a:gs>
-              <a:gs pos="50000">
-                <a:srgbClr val="00682F">
-                  <a:shade val="67500"/>
-                  <a:satMod val="115000"/>
-                </a:srgbClr>
-              </a:gs>
-              <a:gs pos="100000">
-                <a:srgbClr val="00682F">
-                  <a:shade val="100000"/>
-                  <a:satMod val="115000"/>
-                </a:srgbClr>
-              </a:gs>
-            </a:gsLst>
-            <a:lin ang="16200000" scaled="1"/>
-            <a:tileRect/>
-          </a:gradFill>
+          <a:solidFill>
+            <a:srgbClr val="008000"/>
+          </a:solidFill>
           <a:ln w="38100" cap="flat" cmpd="sng" algn="ctr">
             <a:solidFill>
               <a:schemeClr val="tx1"/>
@@ -25473,7 +25407,7 @@
                 <a:ea typeface="WenQuanYi Micro Hei" charset="0"/>
                 <a:cs typeface="Calibri" pitchFamily="34" charset="0"/>
               </a:rPr>
-              <a:t>oblikovati ponašanje ljudi </a:t>
+              <a:t>oblikovati ponašanje </a:t>
             </a:r>
             <a:r>
               <a:rPr lang="hr-HR" sz="2400" dirty="0" smtClean="0">
@@ -25481,25 +25415,18 @@
                 <a:ea typeface="WenQuanYi Micro Hei" charset="0"/>
                 <a:cs typeface="Calibri" pitchFamily="34" charset="0"/>
               </a:rPr>
-              <a:t>i njihova (socijalna, politička i ideološka) </a:t>
+              <a:t>i </a:t>
             </a:r>
             <a:r>
               <a:rPr lang="hr-HR" sz="2400" b="1" dirty="0" smtClean="0">
                 <a:solidFill>
                   <a:srgbClr val="FFC000"/>
                 </a:solidFill>
-                <a:effectLst>
-                  <a:outerShdw blurRad="38100" dist="38100" dir="2700000" algn="tl">
-                    <a:srgbClr val="000000">
-                      <a:alpha val="43137"/>
-                    </a:srgbClr>
-                  </a:outerShdw>
-                </a:effectLst>
-                <a:latin typeface="Calibri" pitchFamily="34" charset="0"/>
-                <a:ea typeface="WenQuanYi Micro Hei" charset="0"/>
-                <a:cs typeface="Calibri" pitchFamily="34" charset="0"/>
-              </a:rPr>
-              <a:t>stajališta</a:t>
+                <a:latin typeface="Calibri" pitchFamily="34" charset="0"/>
+                <a:ea typeface="WenQuanYi Micro Hei" charset="0"/>
+                <a:cs typeface="Calibri" pitchFamily="34" charset="0"/>
+              </a:rPr>
+              <a:t>stajališta ljudi</a:t>
             </a:r>
             <a:r>
               <a:rPr lang="hr-HR" sz="2400" dirty="0" smtClean="0">
@@ -25507,7 +25434,31 @@
                 <a:ea typeface="WenQuanYi Micro Hei" charset="0"/>
                 <a:cs typeface="Calibri" pitchFamily="34" charset="0"/>
               </a:rPr>
-              <a:t>, te </a:t>
+              <a:t> (</a:t>
+            </a:r>
+            <a:r>
+              <a:rPr lang="hr-HR" sz="2400" dirty="0" smtClean="0">
+                <a:latin typeface="Calibri" pitchFamily="34" charset="0"/>
+                <a:ea typeface="WenQuanYi Micro Hei" charset="0"/>
+                <a:cs typeface="Calibri" pitchFamily="34" charset="0"/>
+              </a:rPr>
+              <a:t>socijalna, politička i ideološka</a:t>
+            </a:r>
+            <a:r>
+              <a:rPr lang="hr-HR" sz="2400" dirty="0" smtClean="0">
+                <a:latin typeface="Calibri" pitchFamily="34" charset="0"/>
+                <a:ea typeface="WenQuanYi Micro Hei" charset="0"/>
+                <a:cs typeface="Calibri" pitchFamily="34" charset="0"/>
+              </a:rPr>
+              <a:t>), </a:t>
+            </a:r>
+            <a:r>
+              <a:rPr lang="hr-HR" sz="2400" dirty="0" smtClean="0">
+                <a:latin typeface="Calibri" pitchFamily="34" charset="0"/>
+                <a:ea typeface="WenQuanYi Micro Hei" charset="0"/>
+                <a:cs typeface="Calibri" pitchFamily="34" charset="0"/>
+              </a:rPr>
+              <a:t>te </a:t>
             </a:r>
             <a:r>
               <a:rPr lang="hr-HR" sz="2400" b="1" dirty="0" smtClean="0">
@@ -25734,7 +25685,7 @@
             </a:r>
           </a:p>
           <a:p>
-            <a:pPr marL="1431000" lvl="2" indent="-288000">
+            <a:pPr marL="1030950" lvl="1" indent="-288000">
               <a:lnSpc>
                 <a:spcPct val="100000"/>
               </a:lnSpc>
@@ -25771,7 +25722,7 @@
             </a:r>
           </a:p>
           <a:p>
-            <a:pPr marL="1431000" lvl="2" indent="-288000">
+            <a:pPr marL="1030950" lvl="1" indent="-288000">
               <a:lnSpc>
                 <a:spcPct val="100000"/>
               </a:lnSpc>
@@ -25808,7 +25759,7 @@
             </a:r>
           </a:p>
           <a:p>
-            <a:pPr marL="1431000" lvl="2" indent="-288000">
+            <a:pPr marL="1030950" lvl="1" indent="-288000">
               <a:lnSpc>
                 <a:spcPct val="100000"/>
               </a:lnSpc>
@@ -25845,7 +25796,7 @@
             </a:r>
           </a:p>
           <a:p>
-            <a:pPr marL="1431000" lvl="2" indent="-288000">
+            <a:pPr marL="1030950" lvl="1" indent="-288000">
               <a:lnSpc>
                 <a:spcPct val="100000"/>
               </a:lnSpc>
@@ -25882,7 +25833,7 @@
             </a:r>
           </a:p>
           <a:p>
-            <a:pPr marL="1431000" lvl="2" indent="-288000">
+            <a:pPr marL="1030950" lvl="1" indent="-288000">
               <a:lnSpc>
                 <a:spcPct val="100000"/>
               </a:lnSpc>
@@ -27736,24 +27687,15 @@
                                   </p:childTnLst>
                                 </p:cTn>
                               </p:par>
-                            </p:childTnLst>
-                          </p:cTn>
-                        </p:par>
-                        <p:par>
-                          <p:cTn id="34" fill="hold">
-                            <p:stCondLst>
-                              <p:cond delay="250"/>
-                            </p:stCondLst>
-                            <p:childTnLst>
                               <p:par>
-                                <p:cTn id="35" presetID="10" presetClass="entr" presetSubtype="0" fill="hold" grpId="0" nodeType="afterEffect">
+                                <p:cTn id="34" presetID="10" presetClass="entr" presetSubtype="0" fill="hold" grpId="0" nodeType="withEffect">
                                   <p:stCondLst>
                                     <p:cond delay="0"/>
                                   </p:stCondLst>
                                   <p:childTnLst>
                                     <p:set>
                                       <p:cBhvr>
-                                        <p:cTn id="36" dur="1" fill="hold">
+                                        <p:cTn id="35" dur="1" fill="hold">
                                           <p:stCondLst>
                                             <p:cond delay="0"/>
                                           </p:stCondLst>
@@ -27775,7 +27717,7 @@
                                     </p:set>
                                     <p:animEffect transition="in" filter="fade">
                                       <p:cBhvr>
-                                        <p:cTn id="37" dur="250"/>
+                                        <p:cTn id="36" dur="250"/>
                                         <p:tgtEl>
                                           <p:spTgt spid="24578">
                                             <p:txEl>
@@ -27788,24 +27730,15 @@
                                   </p:childTnLst>
                                 </p:cTn>
                               </p:par>
-                            </p:childTnLst>
-                          </p:cTn>
-                        </p:par>
-                        <p:par>
-                          <p:cTn id="38" fill="hold">
-                            <p:stCondLst>
-                              <p:cond delay="500"/>
-                            </p:stCondLst>
-                            <p:childTnLst>
                               <p:par>
-                                <p:cTn id="39" presetID="10" presetClass="entr" presetSubtype="0" fill="hold" grpId="0" nodeType="afterEffect">
+                                <p:cTn id="37" presetID="10" presetClass="entr" presetSubtype="0" fill="hold" grpId="0" nodeType="withEffect">
                                   <p:stCondLst>
                                     <p:cond delay="0"/>
                                   </p:stCondLst>
                                   <p:childTnLst>
                                     <p:set>
                                       <p:cBhvr>
-                                        <p:cTn id="40" dur="1" fill="hold">
+                                        <p:cTn id="38" dur="1" fill="hold">
                                           <p:stCondLst>
                                             <p:cond delay="0"/>
                                           </p:stCondLst>
@@ -27827,7 +27760,7 @@
                                     </p:set>
                                     <p:animEffect transition="in" filter="fade">
                                       <p:cBhvr>
-                                        <p:cTn id="41" dur="250"/>
+                                        <p:cTn id="39" dur="250"/>
                                         <p:tgtEl>
                                           <p:spTgt spid="24578">
                                             <p:txEl>
@@ -27840,24 +27773,15 @@
                                   </p:childTnLst>
                                 </p:cTn>
                               </p:par>
-                            </p:childTnLst>
-                          </p:cTn>
-                        </p:par>
-                        <p:par>
-                          <p:cTn id="42" fill="hold">
-                            <p:stCondLst>
-                              <p:cond delay="750"/>
-                            </p:stCondLst>
-                            <p:childTnLst>
                               <p:par>
-                                <p:cTn id="43" presetID="10" presetClass="entr" presetSubtype="0" fill="hold" grpId="0" nodeType="afterEffect">
+                                <p:cTn id="40" presetID="10" presetClass="entr" presetSubtype="0" fill="hold" grpId="0" nodeType="withEffect">
                                   <p:stCondLst>
                                     <p:cond delay="0"/>
                                   </p:stCondLst>
                                   <p:childTnLst>
                                     <p:set>
                                       <p:cBhvr>
-                                        <p:cTn id="44" dur="1" fill="hold">
+                                        <p:cTn id="41" dur="1" fill="hold">
                                           <p:stCondLst>
                                             <p:cond delay="0"/>
                                           </p:stCondLst>
@@ -27879,7 +27803,7 @@
                                     </p:set>
                                     <p:animEffect transition="in" filter="fade">
                                       <p:cBhvr>
-                                        <p:cTn id="45" dur="250"/>
+                                        <p:cTn id="42" dur="250"/>
                                         <p:tgtEl>
                                           <p:spTgt spid="24578">
                                             <p:txEl>
@@ -27892,24 +27816,15 @@
                                   </p:childTnLst>
                                 </p:cTn>
                               </p:par>
-                            </p:childTnLst>
-                          </p:cTn>
-                        </p:par>
-                        <p:par>
-                          <p:cTn id="46" fill="hold">
-                            <p:stCondLst>
-                              <p:cond delay="1000"/>
-                            </p:stCondLst>
-                            <p:childTnLst>
                               <p:par>
-                                <p:cTn id="47" presetID="10" presetClass="entr" presetSubtype="0" fill="hold" grpId="0" nodeType="afterEffect">
+                                <p:cTn id="43" presetID="10" presetClass="entr" presetSubtype="0" fill="hold" grpId="0" nodeType="withEffect">
                                   <p:stCondLst>
                                     <p:cond delay="0"/>
                                   </p:stCondLst>
                                   <p:childTnLst>
                                     <p:set>
                                       <p:cBhvr>
-                                        <p:cTn id="48" dur="1" fill="hold">
+                                        <p:cTn id="44" dur="1" fill="hold">
                                           <p:stCondLst>
                                             <p:cond delay="0"/>
                                           </p:stCondLst>
@@ -27931,7 +27846,7 @@
                                     </p:set>
                                     <p:animEffect transition="in" filter="fade">
                                       <p:cBhvr>
-                                        <p:cTn id="49" dur="250"/>
+                                        <p:cTn id="45" dur="250"/>
                                         <p:tgtEl>
                                           <p:spTgt spid="24578">
                                             <p:txEl>
@@ -27944,24 +27859,15 @@
                                   </p:childTnLst>
                                 </p:cTn>
                               </p:par>
-                            </p:childTnLst>
-                          </p:cTn>
-                        </p:par>
-                        <p:par>
-                          <p:cTn id="50" fill="hold">
-                            <p:stCondLst>
-                              <p:cond delay="1250"/>
-                            </p:stCondLst>
-                            <p:childTnLst>
                               <p:par>
-                                <p:cTn id="51" presetID="10" presetClass="entr" presetSubtype="0" fill="hold" grpId="0" nodeType="afterEffect">
+                                <p:cTn id="46" presetID="10" presetClass="entr" presetSubtype="0" fill="hold" grpId="0" nodeType="withEffect">
                                   <p:stCondLst>
                                     <p:cond delay="0"/>
                                   </p:stCondLst>
                                   <p:childTnLst>
                                     <p:set>
                                       <p:cBhvr>
-                                        <p:cTn id="52" dur="1" fill="hold">
+                                        <p:cTn id="47" dur="1" fill="hold">
                                           <p:stCondLst>
                                             <p:cond delay="0"/>
                                           </p:stCondLst>
@@ -27983,7 +27889,7 @@
                                     </p:set>
                                     <p:animEffect transition="in" filter="fade">
                                       <p:cBhvr>
-                                        <p:cTn id="53" dur="250"/>
+                                        <p:cTn id="48" dur="250"/>
                                         <p:tgtEl>
                                           <p:spTgt spid="24578">
                                             <p:txEl>
@@ -28183,7 +28089,7 @@
                 <a:spcPct val="100000"/>
               </a:lnSpc>
               <a:spcBef>
-                <a:spcPts val="0"/>
+                <a:spcPts val="600"/>
               </a:spcBef>
               <a:buClr>
                 <a:schemeClr val="tx1"/>
@@ -28250,7 +28156,7 @@
                 <a:spcPct val="100000"/>
               </a:lnSpc>
               <a:spcBef>
-                <a:spcPts val="0"/>
+                <a:spcPts val="600"/>
               </a:spcBef>
               <a:buClr>
                 <a:schemeClr val="tx1"/>
@@ -34768,7 +34674,17 @@
                 <a:latin typeface="Calibri" pitchFamily="34" charset="0"/>
                 <a:cs typeface="Calibri" pitchFamily="34" charset="0"/>
               </a:rPr>
-              <a:t>nastojanje interesnih skupina da utječu na one koji donose odluke </a:t>
+              <a:t>nastojanje interesnih skupina da </a:t>
+            </a:r>
+            <a:r>
+              <a:rPr lang="hr-HR" sz="2400" b="1" dirty="0" smtClean="0">
+                <a:solidFill>
+                  <a:srgbClr val="FFC000"/>
+                </a:solidFill>
+                <a:latin typeface="Calibri" pitchFamily="34" charset="0"/>
+                <a:cs typeface="Calibri" pitchFamily="34" charset="0"/>
+              </a:rPr>
+              <a:t>utječu na one koji donose odluke </a:t>
             </a:r>
             <a:r>
               <a:rPr lang="hr-HR" sz="2400" i="1" dirty="0" smtClean="0">
@@ -34937,11 +34853,18 @@
               <a:t>SPIN DOKTORI </a:t>
             </a:r>
             <a:r>
+              <a:rPr lang="de-AT" sz="2400" u="sng" dirty="0" smtClean="0">
+                <a:latin typeface="Calibri" pitchFamily="34" charset="0"/>
+                <a:cs typeface="Calibri" pitchFamily="34" charset="0"/>
+              </a:rPr>
+              <a:t>pomažu političarima u komunikaciji s biračima</a:t>
+            </a:r>
+            <a:r>
               <a:rPr lang="de-AT" sz="2400" dirty="0" smtClean="0">
                 <a:latin typeface="Calibri" pitchFamily="34" charset="0"/>
                 <a:cs typeface="Calibri" pitchFamily="34" charset="0"/>
               </a:rPr>
-              <a:t>pomažu političarima u komunikaciji s biračima, čak i kad se ne realiziraju obećani programi, nastoji se prikazati kako su </a:t>
+              <a:t>, čak i kad se ne realiziraju obećani programi, nastoji se prikazati kako su </a:t>
             </a:r>
             <a:r>
               <a:rPr lang="hr-HR" sz="2400" dirty="0" smtClean="0">
@@ -35020,42 +34943,6 @@
           </a:p>
         </p:txBody>
       </p:sp>
-      <p:pic>
-        <p:nvPicPr>
-          <p:cNvPr id="5" name="Picture 4" descr="indeks_afera.jpg"/>
-          <p:cNvPicPr>
-            <a:picLocks noChangeAspect="1"/>
-          </p:cNvPicPr>
-          <p:nvPr/>
-        </p:nvPicPr>
-        <p:blipFill>
-          <a:blip r:embed="rId3">
-            <a:lum/>
-          </a:blip>
-          <a:stretch>
-            <a:fillRect/>
-          </a:stretch>
-        </p:blipFill>
-        <p:spPr>
-          <a:xfrm>
-            <a:off x="-32" y="714356"/>
-            <a:ext cx="9144000" cy="6149339"/>
-          </a:xfrm>
-          <a:prstGeom prst="rect">
-            <a:avLst/>
-          </a:prstGeom>
-          <a:ln>
-            <a:noFill/>
-          </a:ln>
-          <a:effectLst>
-            <a:outerShdw blurRad="190500" algn="tl" rotWithShape="0">
-              <a:srgbClr val="000000">
-                <a:alpha val="70000"/>
-              </a:srgbClr>
-            </a:outerShdw>
-          </a:effectLst>
-        </p:spPr>
-      </p:pic>
     </p:spTree>
   </p:cSld>
   <p:clrMapOvr>
@@ -35142,21 +35029,30 @@
                             </p:childTnLst>
                           </p:cTn>
                         </p:par>
+                      </p:childTnLst>
+                    </p:cTn>
+                  </p:par>
+                  <p:par>
+                    <p:cTn id="8" fill="hold">
+                      <p:stCondLst>
+                        <p:cond delay="indefinite"/>
+                      </p:stCondLst>
+                      <p:childTnLst>
                         <p:par>
-                          <p:cTn id="8" fill="hold">
+                          <p:cTn id="9" fill="hold">
                             <p:stCondLst>
-                              <p:cond delay="250"/>
+                              <p:cond delay="0"/>
                             </p:stCondLst>
                             <p:childTnLst>
                               <p:par>
-                                <p:cTn id="9" presetID="10" presetClass="entr" presetSubtype="0" fill="hold" grpId="0" nodeType="afterEffect">
+                                <p:cTn id="10" presetID="10" presetClass="entr" presetSubtype="0" fill="hold" grpId="0" nodeType="clickEffect">
                                   <p:stCondLst>
                                     <p:cond delay="0"/>
                                   </p:stCondLst>
                                   <p:childTnLst>
                                     <p:set>
                                       <p:cBhvr>
-                                        <p:cTn id="10" dur="1" fill="hold">
+                                        <p:cTn id="11" dur="1" fill="hold">
                                           <p:stCondLst>
                                             <p:cond delay="0"/>
                                           </p:stCondLst>
@@ -35178,7 +35074,7 @@
                                     </p:set>
                                     <p:animEffect transition="in" filter="fade">
                                       <p:cBhvr>
-                                        <p:cTn id="11" dur="250"/>
+                                        <p:cTn id="12" dur="250"/>
                                         <p:tgtEl>
                                           <p:spTgt spid="24578">
                                             <p:txEl>
@@ -35194,21 +35090,30 @@
                             </p:childTnLst>
                           </p:cTn>
                         </p:par>
+                      </p:childTnLst>
+                    </p:cTn>
+                  </p:par>
+                  <p:par>
+                    <p:cTn id="13" fill="hold">
+                      <p:stCondLst>
+                        <p:cond delay="indefinite"/>
+                      </p:stCondLst>
+                      <p:childTnLst>
                         <p:par>
-                          <p:cTn id="12" fill="hold">
+                          <p:cTn id="14" fill="hold">
                             <p:stCondLst>
-                              <p:cond delay="500"/>
+                              <p:cond delay="0"/>
                             </p:stCondLst>
                             <p:childTnLst>
                               <p:par>
-                                <p:cTn id="13" presetID="10" presetClass="entr" presetSubtype="0" fill="hold" grpId="0" nodeType="afterEffect">
+                                <p:cTn id="15" presetID="10" presetClass="entr" presetSubtype="0" fill="hold" grpId="0" nodeType="clickEffect">
                                   <p:stCondLst>
                                     <p:cond delay="0"/>
                                   </p:stCondLst>
                                   <p:childTnLst>
                                     <p:set>
                                       <p:cBhvr>
-                                        <p:cTn id="14" dur="1" fill="hold">
+                                        <p:cTn id="16" dur="1" fill="hold">
                                           <p:stCondLst>
                                             <p:cond delay="0"/>
                                           </p:stCondLst>
@@ -35230,57 +35135,13 @@
                                     </p:set>
                                     <p:animEffect transition="in" filter="fade">
                                       <p:cBhvr>
-                                        <p:cTn id="15" dur="250"/>
+                                        <p:cTn id="17" dur="250"/>
                                         <p:tgtEl>
                                           <p:spTgt spid="24578">
                                             <p:txEl>
                                               <p:pRg st="2" end="2"/>
                                             </p:txEl>
                                           </p:spTgt>
-                                        </p:tgtEl>
-                                      </p:cBhvr>
-                                    </p:animEffect>
-                                  </p:childTnLst>
-                                </p:cTn>
-                              </p:par>
-                            </p:childTnLst>
-                          </p:cTn>
-                        </p:par>
-                        <p:par>
-                          <p:cTn id="16" fill="hold">
-                            <p:stCondLst>
-                              <p:cond delay="750"/>
-                            </p:stCondLst>
-                            <p:childTnLst>
-                              <p:par>
-                                <p:cTn id="17" presetID="10" presetClass="entr" presetSubtype="0" fill="hold" nodeType="afterEffect">
-                                  <p:stCondLst>
-                                    <p:cond delay="20000"/>
-                                  </p:stCondLst>
-                                  <p:childTnLst>
-                                    <p:set>
-                                      <p:cBhvr>
-                                        <p:cTn id="18" dur="1" fill="hold">
-                                          <p:stCondLst>
-                                            <p:cond delay="0"/>
-                                          </p:stCondLst>
-                                        </p:cTn>
-                                        <p:tgtEl>
-                                          <p:spTgt spid="5"/>
-                                        </p:tgtEl>
-                                        <p:attrNameLst>
-                                          <p:attrName>style.visibility</p:attrName>
-                                        </p:attrNameLst>
-                                      </p:cBhvr>
-                                      <p:to>
-                                        <p:strVal val="visible"/>
-                                      </p:to>
-                                    </p:set>
-                                    <p:animEffect transition="in" filter="fade">
-                                      <p:cBhvr>
-                                        <p:cTn id="19" dur="5000"/>
-                                        <p:tgtEl>
-                                          <p:spTgt spid="5"/>
                                         </p:tgtEl>
                                       </p:cBhvr>
                                     </p:animEffect>
@@ -35443,7 +35304,14 @@
                 <a:latin typeface="Calibri" pitchFamily="34" charset="0"/>
                 <a:cs typeface="Calibri" pitchFamily="34" charset="0"/>
               </a:rPr>
-              <a:t>sprečavanje objavljivanja nepoželjnih sadržaja</a:t>
+              <a:t>sprječavanje </a:t>
+            </a:r>
+            <a:r>
+              <a:rPr lang="hr-HR" sz="2400" dirty="0" smtClean="0">
+                <a:latin typeface="Calibri" pitchFamily="34" charset="0"/>
+                <a:cs typeface="Calibri" pitchFamily="34" charset="0"/>
+              </a:rPr>
+              <a:t>objavljivanja nepoželjnih sadržaja</a:t>
             </a:r>
           </a:p>
           <a:p>
@@ -35586,7 +35454,14 @@
                 <a:latin typeface="Calibri" pitchFamily="34" charset="0"/>
                 <a:cs typeface="Calibri" pitchFamily="34" charset="0"/>
               </a:rPr>
-              <a:t>kada sami provodimo cenzuru na sebi</a:t>
+              <a:t>kada </a:t>
+            </a:r>
+            <a:r>
+              <a:rPr lang="hr-HR" sz="2400" u="sng" dirty="0" smtClean="0">
+                <a:latin typeface="Calibri" pitchFamily="34" charset="0"/>
+                <a:cs typeface="Calibri" pitchFamily="34" charset="0"/>
+              </a:rPr>
+              <a:t>sami provodimo cenzuru na sebi</a:t>
             </a:r>
           </a:p>
           <a:p>
@@ -37606,11 +37481,18 @@
               <a:t>– </a:t>
             </a:r>
             <a:r>
+              <a:rPr lang="hr-HR" sz="2300" dirty="0" smtClean="0">
+                <a:latin typeface="Calibri" pitchFamily="34" charset="0"/>
+                <a:cs typeface="Calibri" pitchFamily="34" charset="0"/>
+              </a:rPr>
+              <a:t>sprječavanje </a:t>
+            </a:r>
+            <a:r>
               <a:rPr lang="hr-HR" sz="2300" dirty="0">
                 <a:latin typeface="Calibri" pitchFamily="34" charset="0"/>
                 <a:cs typeface="Calibri" pitchFamily="34" charset="0"/>
               </a:rPr>
-              <a:t>sprečavanje objavljivanja nepoželjnih </a:t>
+              <a:t>objavljivanja nepoželjnih </a:t>
             </a:r>
             <a:r>
               <a:rPr lang="hr-HR" sz="2300" dirty="0" smtClean="0">

--- a/data/prezentacije/politika/001_UG_pojam_politike.pptx
+++ b/data/prezentacije/politika/001_UG_pojam_politike.pptx
@@ -4913,7 +4913,7 @@
             <a:fld id="{7CB97365-EBCA-4027-87D5-99FC1D4DF0BB}" type="datetimeFigureOut">
               <a:rPr lang="en-US" smtClean="0"/>
               <a:pPr/>
-              <a:t>9/20/2017</a:t>
+              <a:t>9/25/2017</a:t>
             </a:fld>
             <a:endParaRPr lang="en-US"/>
           </a:p>
@@ -7596,15 +7596,15 @@
   <p:clrMapOvr>
     <a:masterClrMapping/>
   </p:clrMapOvr>
-  <mc:AlternateContent xmlns:mc="http://schemas.openxmlformats.org/markup-compatibility/2006" xmlns:p14="http://schemas.microsoft.com/office/powerpoint/2010/main">
-    <mc:Choice Requires="p14">
-      <p:transition p14:dur="250">
-        <p:fade thruBlk="1"/>
+  <mc:AlternateContent xmlns:mc="http://schemas.openxmlformats.org/markup-compatibility/2006">
+    <mc:Choice xmlns:p14="http://schemas.microsoft.com/office/powerpoint/2010/main" Requires="p14">
+      <p:transition>
+        <p14:reveal/>
       </p:transition>
     </mc:Choice>
-    <mc:Fallback xmlns="">
+    <mc:Fallback>
       <p:transition>
-        <p:fade thruBlk="1"/>
+        <p:fade/>
       </p:transition>
     </mc:Fallback>
   </mc:AlternateContent>
@@ -8100,15 +8100,15 @@
   <p:clrMapOvr>
     <a:masterClrMapping/>
   </p:clrMapOvr>
-  <mc:AlternateContent xmlns:mc="http://schemas.openxmlformats.org/markup-compatibility/2006" xmlns:p14="http://schemas.microsoft.com/office/powerpoint/2010/main">
-    <mc:Choice Requires="p14">
-      <p:transition p14:dur="250">
-        <p:fade thruBlk="1"/>
+  <mc:AlternateContent xmlns:mc="http://schemas.openxmlformats.org/markup-compatibility/2006">
+    <mc:Choice xmlns:p14="http://schemas.microsoft.com/office/powerpoint/2010/main" Requires="p14">
+      <p:transition>
+        <p14:reveal/>
       </p:transition>
     </mc:Choice>
-    <mc:Fallback xmlns="">
+    <mc:Fallback>
       <p:transition>
-        <p:fade thruBlk="1"/>
+        <p:fade/>
       </p:transition>
     </mc:Fallback>
   </mc:AlternateContent>
@@ -9603,15 +9603,15 @@
   <p:clrMapOvr>
     <a:masterClrMapping/>
   </p:clrMapOvr>
-  <mc:AlternateContent xmlns:mc="http://schemas.openxmlformats.org/markup-compatibility/2006" xmlns:p14="http://schemas.microsoft.com/office/powerpoint/2010/main">
-    <mc:Choice Requires="p14">
-      <p:transition p14:dur="250">
-        <p:fade thruBlk="1"/>
+  <mc:AlternateContent xmlns:mc="http://schemas.openxmlformats.org/markup-compatibility/2006">
+    <mc:Choice xmlns:p14="http://schemas.microsoft.com/office/powerpoint/2010/main" Requires="p14">
+      <p:transition>
+        <p14:reveal/>
       </p:transition>
     </mc:Choice>
-    <mc:Fallback xmlns="">
+    <mc:Fallback>
       <p:transition>
-        <p:fade thruBlk="1"/>
+        <p:fade/>
       </p:transition>
     </mc:Fallback>
   </mc:AlternateContent>
@@ -11182,15 +11182,15 @@
   <p:clrMapOvr>
     <a:masterClrMapping/>
   </p:clrMapOvr>
-  <mc:AlternateContent xmlns:mc="http://schemas.openxmlformats.org/markup-compatibility/2006" xmlns:p14="http://schemas.microsoft.com/office/powerpoint/2010/main">
-    <mc:Choice Requires="p14">
-      <p:transition p14:dur="250">
-        <p:fade thruBlk="1"/>
+  <mc:AlternateContent xmlns:mc="http://schemas.openxmlformats.org/markup-compatibility/2006">
+    <mc:Choice xmlns:p14="http://schemas.microsoft.com/office/powerpoint/2010/main" Requires="p14">
+      <p:transition>
+        <p14:reveal/>
       </p:transition>
     </mc:Choice>
-    <mc:Fallback xmlns="">
+    <mc:Fallback>
       <p:transition>
-        <p:fade thruBlk="1"/>
+        <p:fade/>
       </p:transition>
     </mc:Fallback>
   </mc:AlternateContent>
@@ -11778,13 +11778,13 @@
   <p:clrMapOvr>
     <a:masterClrMapping/>
   </p:clrMapOvr>
-  <mc:AlternateContent xmlns:mc="http://schemas.openxmlformats.org/markup-compatibility/2006" xmlns:p14="http://schemas.microsoft.com/office/powerpoint/2010/main">
-    <mc:Choice Requires="p14">
-      <p:transition p14:dur="250">
-        <p:fade/>
+  <mc:AlternateContent xmlns:mc="http://schemas.openxmlformats.org/markup-compatibility/2006">
+    <mc:Choice xmlns:p14="http://schemas.microsoft.com/office/powerpoint/2010/main" Requires="p14">
+      <p:transition>
+        <p14:reveal/>
       </p:transition>
     </mc:Choice>
-    <mc:Fallback xmlns="">
+    <mc:Fallback>
       <p:transition>
         <p:fade/>
       </p:transition>
@@ -12606,13 +12606,13 @@
   <p:clrMapOvr>
     <a:masterClrMapping/>
   </p:clrMapOvr>
-  <mc:AlternateContent xmlns:mc="http://schemas.openxmlformats.org/markup-compatibility/2006" xmlns:p14="http://schemas.microsoft.com/office/powerpoint/2010/main">
-    <mc:Choice Requires="p14">
-      <p:transition p14:dur="250">
-        <p:fade/>
+  <mc:AlternateContent xmlns:mc="http://schemas.openxmlformats.org/markup-compatibility/2006">
+    <mc:Choice xmlns:p14="http://schemas.microsoft.com/office/powerpoint/2010/main" Requires="p14">
+      <p:transition>
+        <p14:reveal/>
       </p:transition>
     </mc:Choice>
-    <mc:Fallback xmlns="">
+    <mc:Fallback>
       <p:transition>
         <p:fade/>
       </p:transition>
@@ -13238,13 +13238,13 @@
   <p:clrMapOvr>
     <a:masterClrMapping/>
   </p:clrMapOvr>
-  <mc:AlternateContent xmlns:mc="http://schemas.openxmlformats.org/markup-compatibility/2006" xmlns:p14="http://schemas.microsoft.com/office/powerpoint/2010/main">
-    <mc:Choice Requires="p14">
-      <p:transition p14:dur="250">
-        <p:fade/>
+  <mc:AlternateContent xmlns:mc="http://schemas.openxmlformats.org/markup-compatibility/2006">
+    <mc:Choice xmlns:p14="http://schemas.microsoft.com/office/powerpoint/2010/main" Requires="p14">
+      <p:transition>
+        <p14:reveal/>
       </p:transition>
     </mc:Choice>
-    <mc:Fallback xmlns="">
+    <mc:Fallback>
       <p:transition>
         <p:fade/>
       </p:transition>
@@ -14183,15 +14183,15 @@
   <p:clrMapOvr>
     <a:masterClrMapping/>
   </p:clrMapOvr>
-  <mc:AlternateContent xmlns:mc="http://schemas.openxmlformats.org/markup-compatibility/2006" xmlns:p14="http://schemas.microsoft.com/office/powerpoint/2010/main">
-    <mc:Choice Requires="p14">
-      <p:transition p14:dur="250">
-        <p:fade thruBlk="1"/>
+  <mc:AlternateContent xmlns:mc="http://schemas.openxmlformats.org/markup-compatibility/2006">
+    <mc:Choice xmlns:p14="http://schemas.microsoft.com/office/powerpoint/2010/main" Requires="p14">
+      <p:transition>
+        <p14:reveal/>
       </p:transition>
     </mc:Choice>
-    <mc:Fallback xmlns="">
+    <mc:Fallback>
       <p:transition>
-        <p:fade thruBlk="1"/>
+        <p:fade/>
       </p:transition>
     </mc:Fallback>
   </mc:AlternateContent>
@@ -15812,15 +15812,15 @@
   <p:clrMapOvr>
     <a:masterClrMapping/>
   </p:clrMapOvr>
-  <mc:AlternateContent xmlns:mc="http://schemas.openxmlformats.org/markup-compatibility/2006" xmlns:p14="http://schemas.microsoft.com/office/powerpoint/2010/main">
-    <mc:Choice Requires="p14">
-      <p:transition p14:dur="250">
-        <p:fade thruBlk="1"/>
+  <mc:AlternateContent xmlns:mc="http://schemas.openxmlformats.org/markup-compatibility/2006">
+    <mc:Choice xmlns:p14="http://schemas.microsoft.com/office/powerpoint/2010/main" Requires="p14">
+      <p:transition>
+        <p14:reveal/>
       </p:transition>
     </mc:Choice>
-    <mc:Fallback xmlns="">
+    <mc:Fallback>
       <p:transition>
-        <p:fade thruBlk="1"/>
+        <p:fade/>
       </p:transition>
     </mc:Fallback>
   </mc:AlternateContent>
@@ -17558,13 +17558,13 @@
   </p:clrMapOvr>
   <mc:AlternateContent xmlns:mc="http://schemas.openxmlformats.org/markup-compatibility/2006">
     <mc:Choice xmlns:p14="http://schemas.microsoft.com/office/powerpoint/2010/main" Requires="p14">
-      <p:transition p14:dur="250">
-        <p:fade thruBlk="1"/>
+      <p:transition>
+        <p14:reveal/>
       </p:transition>
     </mc:Choice>
     <mc:Fallback>
       <p:transition>
-        <p:fade thruBlk="1"/>
+        <p:fade/>
       </p:transition>
     </mc:Fallback>
   </mc:AlternateContent>
@@ -18649,13 +18649,13 @@
   </p:clrMapOvr>
   <mc:AlternateContent xmlns:mc="http://schemas.openxmlformats.org/markup-compatibility/2006">
     <mc:Choice xmlns:p14="http://schemas.microsoft.com/office/powerpoint/2010/main" Requires="p14">
-      <p:transition p14:dur="250">
-        <p:fade thruBlk="1"/>
+      <p:transition>
+        <p14:reveal/>
       </p:transition>
     </mc:Choice>
     <mc:Fallback>
       <p:transition>
-        <p:fade thruBlk="1"/>
+        <p:fade/>
       </p:transition>
     </mc:Fallback>
   </mc:AlternateContent>
@@ -19542,15 +19542,15 @@
   <p:clrMapOvr>
     <a:masterClrMapping/>
   </p:clrMapOvr>
-  <mc:AlternateContent xmlns:mc="http://schemas.openxmlformats.org/markup-compatibility/2006" xmlns:p14="http://schemas.microsoft.com/office/powerpoint/2010/main">
-    <mc:Choice Requires="p14">
-      <p:transition p14:dur="250">
-        <p:fade thruBlk="1"/>
+  <mc:AlternateContent xmlns:mc="http://schemas.openxmlformats.org/markup-compatibility/2006">
+    <mc:Choice xmlns:p14="http://schemas.microsoft.com/office/powerpoint/2010/main" Requires="p14">
+      <p:transition>
+        <p14:reveal/>
       </p:transition>
     </mc:Choice>
-    <mc:Fallback xmlns="">
+    <mc:Fallback>
       <p:transition>
-        <p:fade thruBlk="1"/>
+        <p:fade/>
       </p:transition>
     </mc:Fallback>
   </mc:AlternateContent>
@@ -21265,13 +21265,13 @@
   </p:clrMapOvr>
   <mc:AlternateContent xmlns:mc="http://schemas.openxmlformats.org/markup-compatibility/2006">
     <mc:Choice xmlns:p14="http://schemas.microsoft.com/office/powerpoint/2010/main" Requires="p14">
-      <p:transition p14:dur="250">
-        <p:fade thruBlk="1"/>
+      <p:transition>
+        <p14:reveal/>
       </p:transition>
     </mc:Choice>
     <mc:Fallback>
       <p:transition>
-        <p:fade thruBlk="1"/>
+        <p:fade/>
       </p:transition>
     </mc:Fallback>
   </mc:AlternateContent>
@@ -21920,13 +21920,13 @@
   </p:clrMapOvr>
   <mc:AlternateContent xmlns:mc="http://schemas.openxmlformats.org/markup-compatibility/2006">
     <mc:Choice xmlns:p14="http://schemas.microsoft.com/office/powerpoint/2010/main" Requires="p14">
-      <p:transition p14:dur="250">
-        <p:fade thruBlk="1"/>
+      <p:transition>
+        <p14:reveal/>
       </p:transition>
     </mc:Choice>
     <mc:Fallback>
       <p:transition>
-        <p:fade thruBlk="1"/>
+        <p:fade/>
       </p:transition>
     </mc:Fallback>
   </mc:AlternateContent>
@@ -23235,13 +23235,13 @@
   </p:clrMapOvr>
   <mc:AlternateContent xmlns:mc="http://schemas.openxmlformats.org/markup-compatibility/2006">
     <mc:Choice xmlns:p14="http://schemas.microsoft.com/office/powerpoint/2010/main" Requires="p14">
-      <p:transition p14:dur="250">
-        <p:fade thruBlk="1"/>
+      <p:transition>
+        <p14:reveal/>
       </p:transition>
     </mc:Choice>
     <mc:Fallback>
       <p:transition>
-        <p:fade thruBlk="1"/>
+        <p:fade/>
       </p:transition>
     </mc:Fallback>
   </mc:AlternateContent>
@@ -24089,13 +24089,13 @@
   </p:clrMapOvr>
   <mc:AlternateContent xmlns:mc="http://schemas.openxmlformats.org/markup-compatibility/2006">
     <mc:Choice xmlns:p14="http://schemas.microsoft.com/office/powerpoint/2010/main" Requires="p14">
-      <p:transition p14:dur="250">
-        <p:fade thruBlk="1"/>
+      <p:transition>
+        <p14:reveal/>
       </p:transition>
     </mc:Choice>
     <mc:Fallback>
       <p:transition>
-        <p:fade thruBlk="1"/>
+        <p:fade/>
       </p:transition>
     </mc:Fallback>
   </mc:AlternateContent>
@@ -24188,15 +24188,7 @@
                 <a:ea typeface="WenQuanYi Micro Hei" charset="0"/>
                 <a:cs typeface="Calibri" pitchFamily="34" charset="0"/>
               </a:rPr>
-              <a:t>svrha političkog </a:t>
-            </a:r>
-            <a:r>
-              <a:rPr lang="hr-HR" sz="2800" dirty="0" smtClean="0">
-                <a:latin typeface="Calibri" pitchFamily="34" charset="0"/>
-                <a:ea typeface="WenQuanYi Micro Hei" charset="0"/>
-                <a:cs typeface="Calibri" pitchFamily="34" charset="0"/>
-              </a:rPr>
-              <a:t>djelovanja je </a:t>
+              <a:t>svrha političkog djelovanja je </a:t>
             </a:r>
             <a:r>
               <a:rPr lang="hr-HR" sz="2800" b="1" dirty="0" smtClean="0">
@@ -24653,15 +24645,15 @@
   <p:clrMapOvr>
     <a:masterClrMapping/>
   </p:clrMapOvr>
-  <mc:AlternateContent xmlns:mc="http://schemas.openxmlformats.org/markup-compatibility/2006" xmlns:p14="http://schemas.microsoft.com/office/powerpoint/2010/main">
-    <mc:Choice Requires="p14">
-      <p:transition p14:dur="250">
-        <p:fade thruBlk="1"/>
+  <mc:AlternateContent xmlns:mc="http://schemas.openxmlformats.org/markup-compatibility/2006">
+    <mc:Choice xmlns:p14="http://schemas.microsoft.com/office/powerpoint/2010/main" Requires="p14">
+      <p:transition>
+        <p14:reveal/>
       </p:transition>
     </mc:Choice>
-    <mc:Fallback xmlns="">
+    <mc:Fallback>
       <p:transition>
-        <p:fade thruBlk="1"/>
+        <p:fade/>
       </p:transition>
     </mc:Fallback>
   </mc:AlternateContent>
@@ -25434,31 +25426,7 @@
                 <a:ea typeface="WenQuanYi Micro Hei" charset="0"/>
                 <a:cs typeface="Calibri" pitchFamily="34" charset="0"/>
               </a:rPr>
-              <a:t> (</a:t>
-            </a:r>
-            <a:r>
-              <a:rPr lang="hr-HR" sz="2400" dirty="0" smtClean="0">
-                <a:latin typeface="Calibri" pitchFamily="34" charset="0"/>
-                <a:ea typeface="WenQuanYi Micro Hei" charset="0"/>
-                <a:cs typeface="Calibri" pitchFamily="34" charset="0"/>
-              </a:rPr>
-              <a:t>socijalna, politička i ideološka</a:t>
-            </a:r>
-            <a:r>
-              <a:rPr lang="hr-HR" sz="2400" dirty="0" smtClean="0">
-                <a:latin typeface="Calibri" pitchFamily="34" charset="0"/>
-                <a:ea typeface="WenQuanYi Micro Hei" charset="0"/>
-                <a:cs typeface="Calibri" pitchFamily="34" charset="0"/>
-              </a:rPr>
-              <a:t>), </a:t>
-            </a:r>
-            <a:r>
-              <a:rPr lang="hr-HR" sz="2400" dirty="0" smtClean="0">
-                <a:latin typeface="Calibri" pitchFamily="34" charset="0"/>
-                <a:ea typeface="WenQuanYi Micro Hei" charset="0"/>
-                <a:cs typeface="Calibri" pitchFamily="34" charset="0"/>
-              </a:rPr>
-              <a:t>te </a:t>
+              <a:t> (socijalna, politička i ideološka), te </a:t>
             </a:r>
             <a:r>
               <a:rPr lang="hr-HR" sz="2400" b="1" dirty="0" smtClean="0">
@@ -27287,15 +27255,15 @@
   <p:clrMapOvr>
     <a:masterClrMapping/>
   </p:clrMapOvr>
-  <mc:AlternateContent xmlns:mc="http://schemas.openxmlformats.org/markup-compatibility/2006" xmlns:p14="http://schemas.microsoft.com/office/powerpoint/2010/main">
-    <mc:Choice Requires="p14">
-      <p:transition p14:dur="250">
-        <p:fade thruBlk="1"/>
+  <mc:AlternateContent xmlns:mc="http://schemas.openxmlformats.org/markup-compatibility/2006">
+    <mc:Choice xmlns:p14="http://schemas.microsoft.com/office/powerpoint/2010/main" Requires="p14">
+      <p:transition>
+        <p14:reveal/>
       </p:transition>
     </mc:Choice>
-    <mc:Fallback xmlns="">
+    <mc:Fallback>
       <p:transition>
-        <p:fade thruBlk="1"/>
+        <p:fade/>
       </p:transition>
     </mc:Fallback>
   </mc:AlternateContent>
@@ -28594,15 +28562,15 @@
   <p:clrMapOvr>
     <a:masterClrMapping/>
   </p:clrMapOvr>
-  <mc:AlternateContent xmlns:mc="http://schemas.openxmlformats.org/markup-compatibility/2006" xmlns:p14="http://schemas.microsoft.com/office/powerpoint/2010/main">
-    <mc:Choice Requires="p14">
-      <p:transition p14:dur="250">
-        <p:fade thruBlk="1"/>
+  <mc:AlternateContent xmlns:mc="http://schemas.openxmlformats.org/markup-compatibility/2006">
+    <mc:Choice xmlns:p14="http://schemas.microsoft.com/office/powerpoint/2010/main" Requires="p14">
+      <p:transition>
+        <p14:reveal/>
       </p:transition>
     </mc:Choice>
-    <mc:Fallback xmlns="">
+    <mc:Fallback>
       <p:transition>
-        <p:fade thruBlk="1"/>
+        <p:fade/>
       </p:transition>
     </mc:Fallback>
   </mc:AlternateContent>
@@ -29466,15 +29434,15 @@
   <p:clrMapOvr>
     <a:masterClrMapping/>
   </p:clrMapOvr>
-  <mc:AlternateContent xmlns:mc="http://schemas.openxmlformats.org/markup-compatibility/2006" xmlns:p14="http://schemas.microsoft.com/office/powerpoint/2010/main">
-    <mc:Choice Requires="p14">
-      <p:transition p14:dur="250">
-        <p:fade thruBlk="1"/>
+  <mc:AlternateContent xmlns:mc="http://schemas.openxmlformats.org/markup-compatibility/2006">
+    <mc:Choice xmlns:p14="http://schemas.microsoft.com/office/powerpoint/2010/main" Requires="p14">
+      <p:transition>
+        <p14:reveal/>
       </p:transition>
     </mc:Choice>
-    <mc:Fallback xmlns="">
+    <mc:Fallback>
       <p:transition>
-        <p:fade thruBlk="1"/>
+        <p:fade/>
       </p:transition>
     </mc:Fallback>
   </mc:AlternateContent>
@@ -30092,15 +30060,15 @@
   <p:clrMapOvr>
     <a:masterClrMapping/>
   </p:clrMapOvr>
-  <mc:AlternateContent xmlns:mc="http://schemas.openxmlformats.org/markup-compatibility/2006" xmlns:p14="http://schemas.microsoft.com/office/powerpoint/2010/main">
-    <mc:Choice Requires="p14">
-      <p:transition p14:dur="250">
-        <p:fade thruBlk="1"/>
+  <mc:AlternateContent xmlns:mc="http://schemas.openxmlformats.org/markup-compatibility/2006">
+    <mc:Choice xmlns:p14="http://schemas.microsoft.com/office/powerpoint/2010/main" Requires="p14">
+      <p:transition>
+        <p14:reveal/>
       </p:transition>
     </mc:Choice>
-    <mc:Fallback xmlns="">
+    <mc:Fallback>
       <p:transition>
-        <p:fade thruBlk="1"/>
+        <p:fade/>
       </p:transition>
     </mc:Fallback>
   </mc:AlternateContent>
@@ -30541,15 +30509,15 @@
   <p:clrMapOvr>
     <a:masterClrMapping/>
   </p:clrMapOvr>
-  <mc:AlternateContent xmlns:mc="http://schemas.openxmlformats.org/markup-compatibility/2006" xmlns:p14="http://schemas.microsoft.com/office/powerpoint/2010/main">
-    <mc:Choice Requires="p14">
-      <p:transition p14:dur="250">
-        <p:fade thruBlk="1"/>
+  <mc:AlternateContent xmlns:mc="http://schemas.openxmlformats.org/markup-compatibility/2006">
+    <mc:Choice xmlns:p14="http://schemas.microsoft.com/office/powerpoint/2010/main" Requires="p14">
+      <p:transition>
+        <p14:reveal/>
       </p:transition>
     </mc:Choice>
-    <mc:Fallback xmlns="">
+    <mc:Fallback>
       <p:transition>
-        <p:fade thruBlk="1"/>
+        <p:fade/>
       </p:transition>
     </mc:Fallback>
   </mc:AlternateContent>
@@ -31135,15 +31103,15 @@
   <p:clrMapOvr>
     <a:masterClrMapping/>
   </p:clrMapOvr>
-  <mc:AlternateContent xmlns:mc="http://schemas.openxmlformats.org/markup-compatibility/2006" xmlns:p14="http://schemas.microsoft.com/office/powerpoint/2010/main">
-    <mc:Choice Requires="p14">
-      <p:transition p14:dur="250">
-        <p:fade thruBlk="1"/>
+  <mc:AlternateContent xmlns:mc="http://schemas.openxmlformats.org/markup-compatibility/2006">
+    <mc:Choice xmlns:p14="http://schemas.microsoft.com/office/powerpoint/2010/main" Requires="p14">
+      <p:transition>
+        <p14:reveal/>
       </p:transition>
     </mc:Choice>
-    <mc:Fallback xmlns="">
+    <mc:Fallback>
       <p:transition>
-        <p:fade thruBlk="1"/>
+        <p:fade/>
       </p:transition>
     </mc:Fallback>
   </mc:AlternateContent>
@@ -32171,15 +32139,7 @@
                 <a:ea typeface="WenQuanYi Micro Hei" charset="0"/>
                 <a:cs typeface="Calibri" pitchFamily="34" charset="0"/>
               </a:rPr>
-              <a:t>su </a:t>
-            </a:r>
-            <a:r>
-              <a:rPr lang="hr-HR" sz="2400" dirty="0" smtClean="0">
-                <a:latin typeface="Calibri" pitchFamily="34" charset="0"/>
-                <a:ea typeface="WenQuanYi Micro Hei" charset="0"/>
-                <a:cs typeface="Calibri" pitchFamily="34" charset="0"/>
-              </a:rPr>
-              <a:t>subjekti koji </a:t>
+              <a:t>su subjekti koji </a:t>
             </a:r>
             <a:r>
               <a:rPr lang="hr-HR" sz="2400" u="sng" dirty="0" smtClean="0">
@@ -32408,15 +32368,15 @@
   <p:clrMapOvr>
     <a:masterClrMapping/>
   </p:clrMapOvr>
-  <mc:AlternateContent xmlns:mc="http://schemas.openxmlformats.org/markup-compatibility/2006" xmlns:p14="http://schemas.microsoft.com/office/powerpoint/2010/main">
-    <mc:Choice Requires="p14">
-      <p:transition p14:dur="250">
-        <p:fade thruBlk="1"/>
+  <mc:AlternateContent xmlns:mc="http://schemas.openxmlformats.org/markup-compatibility/2006">
+    <mc:Choice xmlns:p14="http://schemas.microsoft.com/office/powerpoint/2010/main" Requires="p14">
+      <p:transition>
+        <p14:reveal/>
       </p:transition>
     </mc:Choice>
-    <mc:Fallback xmlns="">
+    <mc:Fallback>
       <p:transition>
-        <p:fade thruBlk="1"/>
+        <p:fade/>
       </p:transition>
     </mc:Fallback>
   </mc:AlternateContent>
@@ -33896,15 +33856,15 @@
   <p:clrMapOvr>
     <a:masterClrMapping/>
   </p:clrMapOvr>
-  <mc:AlternateContent xmlns:mc="http://schemas.openxmlformats.org/markup-compatibility/2006" xmlns:p14="http://schemas.microsoft.com/office/powerpoint/2010/main">
-    <mc:Choice Requires="p14">
-      <p:transition p14:dur="250">
-        <p:fade thruBlk="1"/>
+  <mc:AlternateContent xmlns:mc="http://schemas.openxmlformats.org/markup-compatibility/2006">
+    <mc:Choice xmlns:p14="http://schemas.microsoft.com/office/powerpoint/2010/main" Requires="p14">
+      <p:transition>
+        <p14:reveal/>
       </p:transition>
     </mc:Choice>
-    <mc:Fallback xmlns="">
+    <mc:Fallback>
       <p:transition>
-        <p:fade thruBlk="1"/>
+        <p:fade/>
       </p:transition>
     </mc:Fallback>
   </mc:AlternateContent>
@@ -34340,13 +34300,13 @@
   </p:clrMapOvr>
   <mc:AlternateContent xmlns:mc="http://schemas.openxmlformats.org/markup-compatibility/2006">
     <mc:Choice xmlns:p14="http://schemas.microsoft.com/office/powerpoint/2010/main" Requires="p14">
-      <p:transition p14:dur="250">
-        <p:fade thruBlk="1"/>
+      <p:transition>
+        <p14:reveal/>
       </p:transition>
     </mc:Choice>
     <mc:Fallback>
       <p:transition>
-        <p:fade thruBlk="1"/>
+        <p:fade/>
       </p:transition>
     </mc:Fallback>
   </mc:AlternateContent>
@@ -34948,15 +34908,15 @@
   <p:clrMapOvr>
     <a:masterClrMapping/>
   </p:clrMapOvr>
-  <mc:AlternateContent xmlns:mc="http://schemas.openxmlformats.org/markup-compatibility/2006" xmlns:p14="http://schemas.microsoft.com/office/powerpoint/2010/main">
-    <mc:Choice Requires="p14">
-      <p:transition p14:dur="250">
-        <p:fade thruBlk="1"/>
+  <mc:AlternateContent xmlns:mc="http://schemas.openxmlformats.org/markup-compatibility/2006">
+    <mc:Choice xmlns:p14="http://schemas.microsoft.com/office/powerpoint/2010/main" Requires="p14">
+      <p:transition>
+        <p14:reveal/>
       </p:transition>
     </mc:Choice>
-    <mc:Fallback xmlns="">
+    <mc:Fallback>
       <p:transition>
-        <p:fade thruBlk="1"/>
+        <p:fade/>
       </p:transition>
     </mc:Fallback>
   </mc:AlternateContent>
@@ -35304,14 +35264,7 @@
                 <a:latin typeface="Calibri" pitchFamily="34" charset="0"/>
                 <a:cs typeface="Calibri" pitchFamily="34" charset="0"/>
               </a:rPr>
-              <a:t>sprječavanje </a:t>
-            </a:r>
-            <a:r>
-              <a:rPr lang="hr-HR" sz="2400" dirty="0" smtClean="0">
-                <a:latin typeface="Calibri" pitchFamily="34" charset="0"/>
-                <a:cs typeface="Calibri" pitchFamily="34" charset="0"/>
-              </a:rPr>
-              <a:t>objavljivanja nepoželjnih sadržaja</a:t>
+              <a:t>sprječavanje objavljivanja nepoželjnih sadržaja</a:t>
             </a:r>
           </a:p>
           <a:p>
@@ -35550,14 +35503,7 @@
                 <a:latin typeface="Calibri" pitchFamily="34" charset="0"/>
                 <a:cs typeface="Calibri" pitchFamily="34" charset="0"/>
               </a:rPr>
-              <a:t>je </a:t>
-            </a:r>
-            <a:r>
-              <a:rPr lang="vi-VN" sz="2400" dirty="0" smtClean="0">
-                <a:latin typeface="Calibri" pitchFamily="34" charset="0"/>
-                <a:cs typeface="Calibri" pitchFamily="34" charset="0"/>
-              </a:rPr>
-              <a:t>podčinjavanje određenih sadržaja postojećim,</a:t>
+              <a:t>je podčinjavanje određenih sadržaja postojećim,</a:t>
             </a:r>
             <a:r>
               <a:rPr lang="hr-HR" sz="2400" dirty="0" smtClean="0">
@@ -35615,9 +35561,18 @@
   <p:clrMapOvr>
     <a:masterClrMapping/>
   </p:clrMapOvr>
-  <p:transition>
-    <p:fade thruBlk="1"/>
-  </p:transition>
+  <mc:AlternateContent xmlns:mc="http://schemas.openxmlformats.org/markup-compatibility/2006">
+    <mc:Choice xmlns:p14="http://schemas.microsoft.com/office/powerpoint/2010/main" Requires="p14">
+      <p:transition>
+        <p14:reveal/>
+      </p:transition>
+    </mc:Choice>
+    <mc:Fallback>
+      <p:transition>
+        <p:fade/>
+      </p:transition>
+    </mc:Fallback>
+  </mc:AlternateContent>
   <p:timing>
     <p:tnLst>
       <p:par>
@@ -36043,25 +35998,7 @@
                 <a:ea typeface="WenQuanYi Micro Hei" charset="0"/>
                 <a:cs typeface="Calibri" pitchFamily="34" charset="0"/>
               </a:rPr>
-              <a:t>(plan </a:t>
-            </a:r>
-            <a:r>
-              <a:rPr lang="hr-HR" sz="2400" i="1" dirty="0" smtClean="0">
-                <a:solidFill>
-                  <a:srgbClr val="FFC000"/>
-                </a:solidFill>
-                <a:effectLst>
-                  <a:outerShdw blurRad="38100" dist="38100" dir="2700000" algn="tl">
-                    <a:srgbClr val="000000">
-                      <a:alpha val="43137"/>
-                    </a:srgbClr>
-                  </a:outerShdw>
-                </a:effectLst>
-                <a:latin typeface="Calibri" pitchFamily="34" charset="0"/>
-                <a:ea typeface="WenQuanYi Micro Hei" charset="0"/>
-                <a:cs typeface="Calibri" pitchFamily="34" charset="0"/>
-              </a:rPr>
-              <a:t>ploče)</a:t>
+              <a:t>(plan ploče)</a:t>
             </a:r>
             <a:endParaRPr lang="hr-HR" sz="2800" i="1" dirty="0">
               <a:solidFill>
@@ -36549,13 +36486,13 @@
   </p:clrMapOvr>
   <mc:AlternateContent xmlns:mc="http://schemas.openxmlformats.org/markup-compatibility/2006">
     <mc:Choice xmlns:p14="http://schemas.microsoft.com/office/powerpoint/2010/main" Requires="p14">
-      <p:transition p14:dur="250">
-        <p:fade thruBlk="1"/>
+      <p:transition>
+        <p14:reveal/>
       </p:transition>
     </mc:Choice>
     <mc:Fallback>
       <p:transition>
-        <p:fade thruBlk="1"/>
+        <p:fade/>
       </p:transition>
     </mc:Fallback>
   </mc:AlternateContent>
@@ -37590,25 +37527,7 @@
                 <a:ea typeface="WenQuanYi Micro Hei" charset="0"/>
                 <a:cs typeface="Calibri" pitchFamily="34" charset="0"/>
               </a:rPr>
-              <a:t>(plan </a:t>
-            </a:r>
-            <a:r>
-              <a:rPr lang="hr-HR" sz="2400" i="1" dirty="0" smtClean="0">
-                <a:solidFill>
-                  <a:srgbClr val="FFC000"/>
-                </a:solidFill>
-                <a:effectLst>
-                  <a:outerShdw blurRad="38100" dist="38100" dir="2700000" algn="tl">
-                    <a:srgbClr val="000000">
-                      <a:alpha val="43137"/>
-                    </a:srgbClr>
-                  </a:outerShdw>
-                </a:effectLst>
-                <a:latin typeface="Calibri" pitchFamily="34" charset="0"/>
-                <a:ea typeface="WenQuanYi Micro Hei" charset="0"/>
-                <a:cs typeface="Calibri" pitchFamily="34" charset="0"/>
-              </a:rPr>
-              <a:t>ploče)</a:t>
+              <a:t>(plan ploče)</a:t>
             </a:r>
             <a:endParaRPr lang="hr-HR" sz="2800" i="1" dirty="0">
               <a:solidFill>
@@ -37640,13 +37559,13 @@
   </p:clrMapOvr>
   <mc:AlternateContent xmlns:mc="http://schemas.openxmlformats.org/markup-compatibility/2006">
     <mc:Choice xmlns:p14="http://schemas.microsoft.com/office/powerpoint/2010/main" Requires="p14">
-      <p:transition p14:dur="250">
-        <p:fade thruBlk="1"/>
+      <p:transition>
+        <p14:reveal/>
       </p:transition>
     </mc:Choice>
     <mc:Fallback>
       <p:transition>
-        <p:fade thruBlk="1"/>
+        <p:fade/>
       </p:transition>
     </mc:Fallback>
   </mc:AlternateContent>
@@ -37961,15 +37880,15 @@
   <p:clrMapOvr>
     <a:masterClrMapping/>
   </p:clrMapOvr>
-  <mc:AlternateContent xmlns:mc="http://schemas.openxmlformats.org/markup-compatibility/2006" xmlns:p14="http://schemas.microsoft.com/office/powerpoint/2010/main">
-    <mc:Choice Requires="p14">
-      <p:transition p14:dur="250">
-        <p:fade thruBlk="1"/>
+  <mc:AlternateContent xmlns:mc="http://schemas.openxmlformats.org/markup-compatibility/2006">
+    <mc:Choice xmlns:p14="http://schemas.microsoft.com/office/powerpoint/2010/main" Requires="p14">
+      <p:transition>
+        <p14:reveal/>
       </p:transition>
     </mc:Choice>
-    <mc:Fallback xmlns="">
+    <mc:Fallback>
       <p:transition>
-        <p:fade thruBlk="1"/>
+        <p:fade/>
       </p:transition>
     </mc:Fallback>
   </mc:AlternateContent>
@@ -38380,15 +38299,15 @@
   <p:clrMapOvr>
     <a:masterClrMapping/>
   </p:clrMapOvr>
-  <mc:AlternateContent xmlns:mc="http://schemas.openxmlformats.org/markup-compatibility/2006" xmlns:p14="http://schemas.microsoft.com/office/powerpoint/2010/main">
-    <mc:Choice Requires="p14">
-      <p:transition p14:dur="250">
-        <p:fade thruBlk="1"/>
+  <mc:AlternateContent xmlns:mc="http://schemas.openxmlformats.org/markup-compatibility/2006">
+    <mc:Choice xmlns:p14="http://schemas.microsoft.com/office/powerpoint/2010/main" Requires="p14">
+      <p:transition>
+        <p14:reveal/>
       </p:transition>
     </mc:Choice>
-    <mc:Fallback xmlns="">
+    <mc:Fallback>
       <p:transition>
-        <p:fade thruBlk="1"/>
+        <p:fade/>
       </p:transition>
     </mc:Fallback>
   </mc:AlternateContent>
@@ -38627,15 +38546,15 @@
   <p:clrMapOvr>
     <a:masterClrMapping/>
   </p:clrMapOvr>
-  <mc:AlternateContent xmlns:mc="http://schemas.openxmlformats.org/markup-compatibility/2006" xmlns:p14="http://schemas.microsoft.com/office/powerpoint/2010/main">
-    <mc:Choice Requires="p14">
-      <p:transition p14:dur="250">
-        <p:fade thruBlk="1"/>
+  <mc:AlternateContent xmlns:mc="http://schemas.openxmlformats.org/markup-compatibility/2006">
+    <mc:Choice xmlns:p14="http://schemas.microsoft.com/office/powerpoint/2010/main" Requires="p14">
+      <p:transition>
+        <p14:reveal/>
       </p:transition>
     </mc:Choice>
-    <mc:Fallback xmlns="">
+    <mc:Fallback>
       <p:transition>
-        <p:fade thruBlk="1"/>
+        <p:fade/>
       </p:transition>
     </mc:Fallback>
   </mc:AlternateContent>
@@ -39248,15 +39167,15 @@
   <p:clrMapOvr>
     <a:masterClrMapping/>
   </p:clrMapOvr>
-  <mc:AlternateContent xmlns:mc="http://schemas.openxmlformats.org/markup-compatibility/2006" xmlns:p14="http://schemas.microsoft.com/office/powerpoint/2010/main">
-    <mc:Choice Requires="p14">
-      <p:transition p14:dur="250">
-        <p:fade thruBlk="1"/>
+  <mc:AlternateContent xmlns:mc="http://schemas.openxmlformats.org/markup-compatibility/2006">
+    <mc:Choice xmlns:p14="http://schemas.microsoft.com/office/powerpoint/2010/main" Requires="p14">
+      <p:transition>
+        <p14:reveal/>
       </p:transition>
     </mc:Choice>
-    <mc:Fallback xmlns="">
+    <mc:Fallback>
       <p:transition>
-        <p:fade thruBlk="1"/>
+        <p:fade/>
       </p:transition>
     </mc:Fallback>
   </mc:AlternateContent>
@@ -40600,15 +40519,15 @@
   <p:clrMapOvr>
     <a:masterClrMapping/>
   </p:clrMapOvr>
-  <mc:AlternateContent xmlns:mc="http://schemas.openxmlformats.org/markup-compatibility/2006" xmlns:p14="http://schemas.microsoft.com/office/powerpoint/2010/main">
-    <mc:Choice Requires="p14">
-      <p:transition p14:dur="250">
-        <p:fade thruBlk="1"/>
+  <mc:AlternateContent xmlns:mc="http://schemas.openxmlformats.org/markup-compatibility/2006">
+    <mc:Choice xmlns:p14="http://schemas.microsoft.com/office/powerpoint/2010/main" Requires="p14">
+      <p:transition>
+        <p14:reveal/>
       </p:transition>
     </mc:Choice>
-    <mc:Fallback xmlns="">
+    <mc:Fallback>
       <p:transition>
-        <p:fade thruBlk="1"/>
+        <p:fade/>
       </p:transition>
     </mc:Fallback>
   </mc:AlternateContent>
@@ -41907,15 +41826,15 @@
   <p:clrMapOvr>
     <a:masterClrMapping/>
   </p:clrMapOvr>
-  <mc:AlternateContent xmlns:mc="http://schemas.openxmlformats.org/markup-compatibility/2006" xmlns:p14="http://schemas.microsoft.com/office/powerpoint/2010/main">
-    <mc:Choice Requires="p14">
-      <p:transition p14:dur="250">
-        <p:fade thruBlk="1"/>
+  <mc:AlternateContent xmlns:mc="http://schemas.openxmlformats.org/markup-compatibility/2006">
+    <mc:Choice xmlns:p14="http://schemas.microsoft.com/office/powerpoint/2010/main" Requires="p14">
+      <p:transition>
+        <p14:reveal/>
       </p:transition>
     </mc:Choice>
-    <mc:Fallback xmlns="">
+    <mc:Fallback>
       <p:transition>
-        <p:fade thruBlk="1"/>
+        <p:fade/>
       </p:transition>
     </mc:Fallback>
   </mc:AlternateContent>

--- a/data/prezentacije/politika/001_UG_pojam_politike.pptx
+++ b/data/prezentacije/politika/001_UG_pojam_politike.pptx
@@ -40,8 +40,8 @@
     <p:sldId id="335" r:id="rId31"/>
     <p:sldId id="355" r:id="rId32"/>
     <p:sldId id="354" r:id="rId33"/>
-    <p:sldId id="356" r:id="rId34"/>
-    <p:sldId id="371" r:id="rId35"/>
+    <p:sldId id="373" r:id="rId34"/>
+    <p:sldId id="374" r:id="rId35"/>
     <p:sldId id="370" r:id="rId36"/>
     <p:sldId id="372" r:id="rId37"/>
   </p:sldIdLst>
@@ -4913,7 +4913,7 @@
             <a:fld id="{7CB97365-EBCA-4027-87D5-99FC1D4DF0BB}" type="datetimeFigureOut">
               <a:rPr lang="en-US" smtClean="0"/>
               <a:pPr/>
-              <a:t>9/25/2017</a:t>
+              <a:t>9/26/2017</a:t>
             </a:fld>
             <a:endParaRPr lang="en-US"/>
           </a:p>
@@ -7596,13 +7596,13 @@
   <p:clrMapOvr>
     <a:masterClrMapping/>
   </p:clrMapOvr>
-  <mc:AlternateContent xmlns:mc="http://schemas.openxmlformats.org/markup-compatibility/2006">
-    <mc:Choice xmlns:p14="http://schemas.microsoft.com/office/powerpoint/2010/main" Requires="p14">
+  <mc:AlternateContent xmlns:mc="http://schemas.openxmlformats.org/markup-compatibility/2006" xmlns:p14="http://schemas.microsoft.com/office/powerpoint/2010/main">
+    <mc:Choice Requires="p14">
       <p:transition>
         <p14:reveal/>
       </p:transition>
     </mc:Choice>
-    <mc:Fallback>
+    <mc:Fallback xmlns="">
       <p:transition>
         <p:fade/>
       </p:transition>
@@ -8100,13 +8100,13 @@
   <p:clrMapOvr>
     <a:masterClrMapping/>
   </p:clrMapOvr>
-  <mc:AlternateContent xmlns:mc="http://schemas.openxmlformats.org/markup-compatibility/2006">
-    <mc:Choice xmlns:p14="http://schemas.microsoft.com/office/powerpoint/2010/main" Requires="p14">
+  <mc:AlternateContent xmlns:mc="http://schemas.openxmlformats.org/markup-compatibility/2006" xmlns:p14="http://schemas.microsoft.com/office/powerpoint/2010/main">
+    <mc:Choice Requires="p14">
       <p:transition>
         <p14:reveal/>
       </p:transition>
     </mc:Choice>
-    <mc:Fallback>
+    <mc:Fallback xmlns="">
       <p:transition>
         <p:fade/>
       </p:transition>
@@ -9603,13 +9603,13 @@
   <p:clrMapOvr>
     <a:masterClrMapping/>
   </p:clrMapOvr>
-  <mc:AlternateContent xmlns:mc="http://schemas.openxmlformats.org/markup-compatibility/2006">
-    <mc:Choice xmlns:p14="http://schemas.microsoft.com/office/powerpoint/2010/main" Requires="p14">
+  <mc:AlternateContent xmlns:mc="http://schemas.openxmlformats.org/markup-compatibility/2006" xmlns:p14="http://schemas.microsoft.com/office/powerpoint/2010/main">
+    <mc:Choice Requires="p14">
       <p:transition>
         <p14:reveal/>
       </p:transition>
     </mc:Choice>
-    <mc:Fallback>
+    <mc:Fallback xmlns="">
       <p:transition>
         <p:fade/>
       </p:transition>
@@ -11182,13 +11182,13 @@
   <p:clrMapOvr>
     <a:masterClrMapping/>
   </p:clrMapOvr>
-  <mc:AlternateContent xmlns:mc="http://schemas.openxmlformats.org/markup-compatibility/2006">
-    <mc:Choice xmlns:p14="http://schemas.microsoft.com/office/powerpoint/2010/main" Requires="p14">
+  <mc:AlternateContent xmlns:mc="http://schemas.openxmlformats.org/markup-compatibility/2006" xmlns:p14="http://schemas.microsoft.com/office/powerpoint/2010/main">
+    <mc:Choice Requires="p14">
       <p:transition>
         <p14:reveal/>
       </p:transition>
     </mc:Choice>
-    <mc:Fallback>
+    <mc:Fallback xmlns="">
       <p:transition>
         <p:fade/>
       </p:transition>
@@ -11778,13 +11778,13 @@
   <p:clrMapOvr>
     <a:masterClrMapping/>
   </p:clrMapOvr>
-  <mc:AlternateContent xmlns:mc="http://schemas.openxmlformats.org/markup-compatibility/2006">
-    <mc:Choice xmlns:p14="http://schemas.microsoft.com/office/powerpoint/2010/main" Requires="p14">
+  <mc:AlternateContent xmlns:mc="http://schemas.openxmlformats.org/markup-compatibility/2006" xmlns:p14="http://schemas.microsoft.com/office/powerpoint/2010/main">
+    <mc:Choice Requires="p14">
       <p:transition>
         <p14:reveal/>
       </p:transition>
     </mc:Choice>
-    <mc:Fallback>
+    <mc:Fallback xmlns="">
       <p:transition>
         <p:fade/>
       </p:transition>
@@ -12606,13 +12606,13 @@
   <p:clrMapOvr>
     <a:masterClrMapping/>
   </p:clrMapOvr>
-  <mc:AlternateContent xmlns:mc="http://schemas.openxmlformats.org/markup-compatibility/2006">
-    <mc:Choice xmlns:p14="http://schemas.microsoft.com/office/powerpoint/2010/main" Requires="p14">
+  <mc:AlternateContent xmlns:mc="http://schemas.openxmlformats.org/markup-compatibility/2006" xmlns:p14="http://schemas.microsoft.com/office/powerpoint/2010/main">
+    <mc:Choice Requires="p14">
       <p:transition>
         <p14:reveal/>
       </p:transition>
     </mc:Choice>
-    <mc:Fallback>
+    <mc:Fallback xmlns="">
       <p:transition>
         <p:fade/>
       </p:transition>
@@ -13238,13 +13238,13 @@
   <p:clrMapOvr>
     <a:masterClrMapping/>
   </p:clrMapOvr>
-  <mc:AlternateContent xmlns:mc="http://schemas.openxmlformats.org/markup-compatibility/2006">
-    <mc:Choice xmlns:p14="http://schemas.microsoft.com/office/powerpoint/2010/main" Requires="p14">
+  <mc:AlternateContent xmlns:mc="http://schemas.openxmlformats.org/markup-compatibility/2006" xmlns:p14="http://schemas.microsoft.com/office/powerpoint/2010/main">
+    <mc:Choice Requires="p14">
       <p:transition>
         <p14:reveal/>
       </p:transition>
     </mc:Choice>
-    <mc:Fallback>
+    <mc:Fallback xmlns="">
       <p:transition>
         <p:fade/>
       </p:transition>
@@ -14183,13 +14183,13 @@
   <p:clrMapOvr>
     <a:masterClrMapping/>
   </p:clrMapOvr>
-  <mc:AlternateContent xmlns:mc="http://schemas.openxmlformats.org/markup-compatibility/2006">
-    <mc:Choice xmlns:p14="http://schemas.microsoft.com/office/powerpoint/2010/main" Requires="p14">
+  <mc:AlternateContent xmlns:mc="http://schemas.openxmlformats.org/markup-compatibility/2006" xmlns:p14="http://schemas.microsoft.com/office/powerpoint/2010/main">
+    <mc:Choice Requires="p14">
       <p:transition>
         <p14:reveal/>
       </p:transition>
     </mc:Choice>
-    <mc:Fallback>
+    <mc:Fallback xmlns="">
       <p:transition>
         <p:fade/>
       </p:transition>
@@ -15812,13 +15812,13 @@
   <p:clrMapOvr>
     <a:masterClrMapping/>
   </p:clrMapOvr>
-  <mc:AlternateContent xmlns:mc="http://schemas.openxmlformats.org/markup-compatibility/2006">
-    <mc:Choice xmlns:p14="http://schemas.microsoft.com/office/powerpoint/2010/main" Requires="p14">
+  <mc:AlternateContent xmlns:mc="http://schemas.openxmlformats.org/markup-compatibility/2006" xmlns:p14="http://schemas.microsoft.com/office/powerpoint/2010/main">
+    <mc:Choice Requires="p14">
       <p:transition>
         <p14:reveal/>
       </p:transition>
     </mc:Choice>
-    <mc:Fallback>
+    <mc:Fallback xmlns="">
       <p:transition>
         <p:fade/>
       </p:transition>
@@ -17556,13 +17556,13 @@
   <p:clrMapOvr>
     <a:masterClrMapping/>
   </p:clrMapOvr>
-  <mc:AlternateContent xmlns:mc="http://schemas.openxmlformats.org/markup-compatibility/2006">
-    <mc:Choice xmlns:p14="http://schemas.microsoft.com/office/powerpoint/2010/main" Requires="p14">
+  <mc:AlternateContent xmlns:mc="http://schemas.openxmlformats.org/markup-compatibility/2006" xmlns:p14="http://schemas.microsoft.com/office/powerpoint/2010/main">
+    <mc:Choice Requires="p14">
       <p:transition>
         <p14:reveal/>
       </p:transition>
     </mc:Choice>
-    <mc:Fallback>
+    <mc:Fallback xmlns="">
       <p:transition>
         <p:fade/>
       </p:transition>
@@ -18647,13 +18647,13 @@
   <p:clrMapOvr>
     <a:masterClrMapping/>
   </p:clrMapOvr>
-  <mc:AlternateContent xmlns:mc="http://schemas.openxmlformats.org/markup-compatibility/2006">
-    <mc:Choice xmlns:p14="http://schemas.microsoft.com/office/powerpoint/2010/main" Requires="p14">
+  <mc:AlternateContent xmlns:mc="http://schemas.openxmlformats.org/markup-compatibility/2006" xmlns:p14="http://schemas.microsoft.com/office/powerpoint/2010/main">
+    <mc:Choice Requires="p14">
       <p:transition>
         <p14:reveal/>
       </p:transition>
     </mc:Choice>
-    <mc:Fallback>
+    <mc:Fallback xmlns="">
       <p:transition>
         <p:fade/>
       </p:transition>
@@ -19542,13 +19542,13 @@
   <p:clrMapOvr>
     <a:masterClrMapping/>
   </p:clrMapOvr>
-  <mc:AlternateContent xmlns:mc="http://schemas.openxmlformats.org/markup-compatibility/2006">
-    <mc:Choice xmlns:p14="http://schemas.microsoft.com/office/powerpoint/2010/main" Requires="p14">
+  <mc:AlternateContent xmlns:mc="http://schemas.openxmlformats.org/markup-compatibility/2006" xmlns:p14="http://schemas.microsoft.com/office/powerpoint/2010/main">
+    <mc:Choice Requires="p14">
       <p:transition>
         <p14:reveal/>
       </p:transition>
     </mc:Choice>
-    <mc:Fallback>
+    <mc:Fallback xmlns="">
       <p:transition>
         <p:fade/>
       </p:transition>
@@ -21263,13 +21263,13 @@
   <p:clrMapOvr>
     <a:masterClrMapping/>
   </p:clrMapOvr>
-  <mc:AlternateContent xmlns:mc="http://schemas.openxmlformats.org/markup-compatibility/2006">
-    <mc:Choice xmlns:p14="http://schemas.microsoft.com/office/powerpoint/2010/main" Requires="p14">
+  <mc:AlternateContent xmlns:mc="http://schemas.openxmlformats.org/markup-compatibility/2006" xmlns:p14="http://schemas.microsoft.com/office/powerpoint/2010/main">
+    <mc:Choice Requires="p14">
       <p:transition>
         <p14:reveal/>
       </p:transition>
     </mc:Choice>
-    <mc:Fallback>
+    <mc:Fallback xmlns="">
       <p:transition>
         <p:fade/>
       </p:transition>
@@ -21918,13 +21918,13 @@
   <p:clrMapOvr>
     <a:masterClrMapping/>
   </p:clrMapOvr>
-  <mc:AlternateContent xmlns:mc="http://schemas.openxmlformats.org/markup-compatibility/2006">
-    <mc:Choice xmlns:p14="http://schemas.microsoft.com/office/powerpoint/2010/main" Requires="p14">
+  <mc:AlternateContent xmlns:mc="http://schemas.openxmlformats.org/markup-compatibility/2006" xmlns:p14="http://schemas.microsoft.com/office/powerpoint/2010/main">
+    <mc:Choice Requires="p14">
       <p:transition>
         <p14:reveal/>
       </p:transition>
     </mc:Choice>
-    <mc:Fallback>
+    <mc:Fallback xmlns="">
       <p:transition>
         <p:fade/>
       </p:transition>
@@ -23233,13 +23233,13 @@
   <p:clrMapOvr>
     <a:masterClrMapping/>
   </p:clrMapOvr>
-  <mc:AlternateContent xmlns:mc="http://schemas.openxmlformats.org/markup-compatibility/2006">
-    <mc:Choice xmlns:p14="http://schemas.microsoft.com/office/powerpoint/2010/main" Requires="p14">
+  <mc:AlternateContent xmlns:mc="http://schemas.openxmlformats.org/markup-compatibility/2006" xmlns:p14="http://schemas.microsoft.com/office/powerpoint/2010/main">
+    <mc:Choice Requires="p14">
       <p:transition>
         <p14:reveal/>
       </p:transition>
     </mc:Choice>
-    <mc:Fallback>
+    <mc:Fallback xmlns="">
       <p:transition>
         <p:fade/>
       </p:transition>
@@ -24087,13 +24087,13 @@
   <p:clrMapOvr>
     <a:masterClrMapping/>
   </p:clrMapOvr>
-  <mc:AlternateContent xmlns:mc="http://schemas.openxmlformats.org/markup-compatibility/2006">
-    <mc:Choice xmlns:p14="http://schemas.microsoft.com/office/powerpoint/2010/main" Requires="p14">
+  <mc:AlternateContent xmlns:mc="http://schemas.openxmlformats.org/markup-compatibility/2006" xmlns:p14="http://schemas.microsoft.com/office/powerpoint/2010/main">
+    <mc:Choice Requires="p14">
       <p:transition>
         <p14:reveal/>
       </p:transition>
     </mc:Choice>
-    <mc:Fallback>
+    <mc:Fallback xmlns="">
       <p:transition>
         <p:fade/>
       </p:transition>
@@ -24645,13 +24645,13 @@
   <p:clrMapOvr>
     <a:masterClrMapping/>
   </p:clrMapOvr>
-  <mc:AlternateContent xmlns:mc="http://schemas.openxmlformats.org/markup-compatibility/2006">
-    <mc:Choice xmlns:p14="http://schemas.microsoft.com/office/powerpoint/2010/main" Requires="p14">
+  <mc:AlternateContent xmlns:mc="http://schemas.openxmlformats.org/markup-compatibility/2006" xmlns:p14="http://schemas.microsoft.com/office/powerpoint/2010/main">
+    <mc:Choice Requires="p14">
       <p:transition>
         <p14:reveal/>
       </p:transition>
     </mc:Choice>
-    <mc:Fallback>
+    <mc:Fallback xmlns="">
       <p:transition>
         <p:fade/>
       </p:transition>
@@ -27255,13 +27255,13 @@
   <p:clrMapOvr>
     <a:masterClrMapping/>
   </p:clrMapOvr>
-  <mc:AlternateContent xmlns:mc="http://schemas.openxmlformats.org/markup-compatibility/2006">
-    <mc:Choice xmlns:p14="http://schemas.microsoft.com/office/powerpoint/2010/main" Requires="p14">
+  <mc:AlternateContent xmlns:mc="http://schemas.openxmlformats.org/markup-compatibility/2006" xmlns:p14="http://schemas.microsoft.com/office/powerpoint/2010/main">
+    <mc:Choice Requires="p14">
       <p:transition>
         <p14:reveal/>
       </p:transition>
     </mc:Choice>
-    <mc:Fallback>
+    <mc:Fallback xmlns="">
       <p:transition>
         <p:fade/>
       </p:transition>
@@ -28562,13 +28562,13 @@
   <p:clrMapOvr>
     <a:masterClrMapping/>
   </p:clrMapOvr>
-  <mc:AlternateContent xmlns:mc="http://schemas.openxmlformats.org/markup-compatibility/2006">
-    <mc:Choice xmlns:p14="http://schemas.microsoft.com/office/powerpoint/2010/main" Requires="p14">
+  <mc:AlternateContent xmlns:mc="http://schemas.openxmlformats.org/markup-compatibility/2006" xmlns:p14="http://schemas.microsoft.com/office/powerpoint/2010/main">
+    <mc:Choice Requires="p14">
       <p:transition>
         <p14:reveal/>
       </p:transition>
     </mc:Choice>
-    <mc:Fallback>
+    <mc:Fallback xmlns="">
       <p:transition>
         <p:fade/>
       </p:transition>
@@ -29434,13 +29434,13 @@
   <p:clrMapOvr>
     <a:masterClrMapping/>
   </p:clrMapOvr>
-  <mc:AlternateContent xmlns:mc="http://schemas.openxmlformats.org/markup-compatibility/2006">
-    <mc:Choice xmlns:p14="http://schemas.microsoft.com/office/powerpoint/2010/main" Requires="p14">
+  <mc:AlternateContent xmlns:mc="http://schemas.openxmlformats.org/markup-compatibility/2006" xmlns:p14="http://schemas.microsoft.com/office/powerpoint/2010/main">
+    <mc:Choice Requires="p14">
       <p:transition>
         <p14:reveal/>
       </p:transition>
     </mc:Choice>
-    <mc:Fallback>
+    <mc:Fallback xmlns="">
       <p:transition>
         <p:fade/>
       </p:transition>
@@ -30060,13 +30060,13 @@
   <p:clrMapOvr>
     <a:masterClrMapping/>
   </p:clrMapOvr>
-  <mc:AlternateContent xmlns:mc="http://schemas.openxmlformats.org/markup-compatibility/2006">
-    <mc:Choice xmlns:p14="http://schemas.microsoft.com/office/powerpoint/2010/main" Requires="p14">
+  <mc:AlternateContent xmlns:mc="http://schemas.openxmlformats.org/markup-compatibility/2006" xmlns:p14="http://schemas.microsoft.com/office/powerpoint/2010/main">
+    <mc:Choice Requires="p14">
       <p:transition>
         <p14:reveal/>
       </p:transition>
     </mc:Choice>
-    <mc:Fallback>
+    <mc:Fallback xmlns="">
       <p:transition>
         <p:fade/>
       </p:transition>
@@ -30509,13 +30509,13 @@
   <p:clrMapOvr>
     <a:masterClrMapping/>
   </p:clrMapOvr>
-  <mc:AlternateContent xmlns:mc="http://schemas.openxmlformats.org/markup-compatibility/2006">
-    <mc:Choice xmlns:p14="http://schemas.microsoft.com/office/powerpoint/2010/main" Requires="p14">
+  <mc:AlternateContent xmlns:mc="http://schemas.openxmlformats.org/markup-compatibility/2006" xmlns:p14="http://schemas.microsoft.com/office/powerpoint/2010/main">
+    <mc:Choice Requires="p14">
       <p:transition>
         <p14:reveal/>
       </p:transition>
     </mc:Choice>
-    <mc:Fallback>
+    <mc:Fallback xmlns="">
       <p:transition>
         <p:fade/>
       </p:transition>
@@ -31103,13 +31103,13 @@
   <p:clrMapOvr>
     <a:masterClrMapping/>
   </p:clrMapOvr>
-  <mc:AlternateContent xmlns:mc="http://schemas.openxmlformats.org/markup-compatibility/2006">
-    <mc:Choice xmlns:p14="http://schemas.microsoft.com/office/powerpoint/2010/main" Requires="p14">
+  <mc:AlternateContent xmlns:mc="http://schemas.openxmlformats.org/markup-compatibility/2006" xmlns:p14="http://schemas.microsoft.com/office/powerpoint/2010/main">
+    <mc:Choice Requires="p14">
       <p:transition>
         <p14:reveal/>
       </p:transition>
     </mc:Choice>
-    <mc:Fallback>
+    <mc:Fallback xmlns="">
       <p:transition>
         <p:fade/>
       </p:transition>
@@ -32368,13 +32368,13 @@
   <p:clrMapOvr>
     <a:masterClrMapping/>
   </p:clrMapOvr>
-  <mc:AlternateContent xmlns:mc="http://schemas.openxmlformats.org/markup-compatibility/2006">
-    <mc:Choice xmlns:p14="http://schemas.microsoft.com/office/powerpoint/2010/main" Requires="p14">
+  <mc:AlternateContent xmlns:mc="http://schemas.openxmlformats.org/markup-compatibility/2006" xmlns:p14="http://schemas.microsoft.com/office/powerpoint/2010/main">
+    <mc:Choice Requires="p14">
       <p:transition>
         <p14:reveal/>
       </p:transition>
     </mc:Choice>
-    <mc:Fallback>
+    <mc:Fallback xmlns="">
       <p:transition>
         <p:fade/>
       </p:transition>
@@ -33856,13 +33856,13 @@
   <p:clrMapOvr>
     <a:masterClrMapping/>
   </p:clrMapOvr>
-  <mc:AlternateContent xmlns:mc="http://schemas.openxmlformats.org/markup-compatibility/2006">
-    <mc:Choice xmlns:p14="http://schemas.microsoft.com/office/powerpoint/2010/main" Requires="p14">
+  <mc:AlternateContent xmlns:mc="http://schemas.openxmlformats.org/markup-compatibility/2006" xmlns:p14="http://schemas.microsoft.com/office/powerpoint/2010/main">
+    <mc:Choice Requires="p14">
       <p:transition>
         <p14:reveal/>
       </p:transition>
     </mc:Choice>
-    <mc:Fallback>
+    <mc:Fallback xmlns="">
       <p:transition>
         <p:fade/>
       </p:transition>
@@ -34298,13 +34298,13 @@
   <p:clrMapOvr>
     <a:masterClrMapping/>
   </p:clrMapOvr>
-  <mc:AlternateContent xmlns:mc="http://schemas.openxmlformats.org/markup-compatibility/2006">
-    <mc:Choice xmlns:p14="http://schemas.microsoft.com/office/powerpoint/2010/main" Requires="p14">
+  <mc:AlternateContent xmlns:mc="http://schemas.openxmlformats.org/markup-compatibility/2006" xmlns:p14="http://schemas.microsoft.com/office/powerpoint/2010/main">
+    <mc:Choice Requires="p14">
       <p:transition>
         <p14:reveal/>
       </p:transition>
     </mc:Choice>
-    <mc:Fallback>
+    <mc:Fallback xmlns="">
       <p:transition>
         <p:fade/>
       </p:transition>
@@ -34507,8 +34507,8 @@
         </p:nvSpPr>
         <p:spPr bwMode="auto">
           <a:xfrm>
-            <a:off x="142844" y="714356"/>
-            <a:ext cx="8858312" cy="5786478"/>
+            <a:off x="142844" y="908720"/>
+            <a:ext cx="8858312" cy="5592114"/>
           </a:xfrm>
           <a:prstGeom prst="rect">
             <a:avLst/>
@@ -34569,7 +34569,7 @@
                 <a:ea typeface="WenQuanYi Micro Hei" charset="0"/>
                 <a:cs typeface="Calibri" pitchFamily="34" charset="0"/>
               </a:rPr>
-              <a:t>lobiranje</a:t>
+              <a:t>LOBIRANJE</a:t>
             </a:r>
             <a:r>
               <a:rPr lang="hr-HR" sz="2400" dirty="0" smtClean="0">
@@ -34634,7 +34634,7 @@
                 <a:latin typeface="Calibri" pitchFamily="34" charset="0"/>
                 <a:cs typeface="Calibri" pitchFamily="34" charset="0"/>
               </a:rPr>
-              <a:t>nastojanje interesnih skupina da </a:t>
+              <a:t>nastojanje </a:t>
             </a:r>
             <a:r>
               <a:rPr lang="hr-HR" sz="2400" b="1" dirty="0" smtClean="0">
@@ -34644,7 +34644,7 @@
                 <a:latin typeface="Calibri" pitchFamily="34" charset="0"/>
                 <a:cs typeface="Calibri" pitchFamily="34" charset="0"/>
               </a:rPr>
-              <a:t>utječu na one koji donose odluke </a:t>
+              <a:t>interesnih skupina da utječu na one koji donose odluke </a:t>
             </a:r>
             <a:r>
               <a:rPr lang="hr-HR" sz="2400" i="1" dirty="0" smtClean="0">
@@ -34661,7 +34661,7 @@
                 <a:spcPct val="100000"/>
               </a:lnSpc>
               <a:spcBef>
-                <a:spcPts val="1800"/>
+                <a:spcPts val="2400"/>
               </a:spcBef>
               <a:buClr>
                 <a:schemeClr val="tx1"/>
@@ -34773,7 +34773,7 @@
                 <a:spcPct val="100000"/>
               </a:lnSpc>
               <a:spcBef>
-                <a:spcPts val="1800"/>
+                <a:spcPts val="2400"/>
               </a:spcBef>
               <a:buClr>
                 <a:schemeClr val="tx1"/>
@@ -34813,18 +34813,25 @@
               <a:t>SPIN DOKTORI </a:t>
             </a:r>
             <a:r>
-              <a:rPr lang="de-AT" sz="2400" u="sng" dirty="0" smtClean="0">
-                <a:latin typeface="Calibri" pitchFamily="34" charset="0"/>
-                <a:cs typeface="Calibri" pitchFamily="34" charset="0"/>
-              </a:rPr>
-              <a:t>pomažu političarima u komunikaciji s biračima</a:t>
-            </a:r>
-            <a:r>
               <a:rPr lang="de-AT" sz="2400" dirty="0" smtClean="0">
                 <a:latin typeface="Calibri" pitchFamily="34" charset="0"/>
                 <a:cs typeface="Calibri" pitchFamily="34" charset="0"/>
               </a:rPr>
-              <a:t>, čak i kad se ne realiziraju obećani programi, nastoji se prikazati kako su </a:t>
+              <a:t>pomažu političarima u komunikaciji s biračima, čak i kad se ne realiziraju obe</a:t>
+            </a:r>
+            <a:r>
+              <a:rPr lang="hr-HR" sz="2400" dirty="0">
+                <a:latin typeface="Calibri" pitchFamily="34" charset="0"/>
+                <a:cs typeface="Calibri" pitchFamily="34" charset="0"/>
+              </a:rPr>
+              <a:t>ć</a:t>
+            </a:r>
+            <a:r>
+              <a:rPr lang="de-AT" sz="2400" dirty="0" smtClean="0">
+                <a:latin typeface="Calibri" pitchFamily="34" charset="0"/>
+                <a:cs typeface="Calibri" pitchFamily="34" charset="0"/>
+              </a:rPr>
+              <a:t>ani programi, nastoji se prikazati kako su </a:t>
             </a:r>
             <a:r>
               <a:rPr lang="hr-HR" sz="2400" dirty="0" smtClean="0">
@@ -34838,7 +34845,21 @@
                 <a:latin typeface="Calibri" pitchFamily="34" charset="0"/>
                 <a:cs typeface="Calibri" pitchFamily="34" charset="0"/>
               </a:rPr>
-              <a:t>provedena u djelo ili se umanjuju </a:t>
+              <a:t>provedena u djelo ili se </a:t>
+            </a:r>
+            <a:r>
+              <a:rPr lang="hr-HR" sz="2400" dirty="0" smtClean="0">
+                <a:latin typeface="Calibri" pitchFamily="34" charset="0"/>
+                <a:cs typeface="Calibri" pitchFamily="34" charset="0"/>
+              </a:rPr>
+              <a:t>umanjuju</a:t>
+            </a:r>
+            <a:r>
+              <a:rPr lang="de-AT" sz="2400" dirty="0" smtClean="0">
+                <a:latin typeface="Calibri" pitchFamily="34" charset="0"/>
+                <a:cs typeface="Calibri" pitchFamily="34" charset="0"/>
+              </a:rPr>
+              <a:t> </a:t>
             </a:r>
             <a:r>
               <a:rPr lang="hr-HR" sz="2400" dirty="0" smtClean="0">
@@ -34904,17 +34925,22 @@
         </p:txBody>
       </p:sp>
     </p:spTree>
+    <p:extLst>
+      <p:ext uri="{BB962C8B-B14F-4D97-AF65-F5344CB8AC3E}">
+        <p14:creationId xmlns:p14="http://schemas.microsoft.com/office/powerpoint/2010/main" val="77181410"/>
+      </p:ext>
+    </p:extLst>
   </p:cSld>
   <p:clrMapOvr>
     <a:masterClrMapping/>
   </p:clrMapOvr>
-  <mc:AlternateContent xmlns:mc="http://schemas.openxmlformats.org/markup-compatibility/2006">
-    <mc:Choice xmlns:p14="http://schemas.microsoft.com/office/powerpoint/2010/main" Requires="p14">
+  <mc:AlternateContent xmlns:mc="http://schemas.openxmlformats.org/markup-compatibility/2006" xmlns:p14="http://schemas.microsoft.com/office/powerpoint/2010/main">
+    <mc:Choice Requires="p14">
       <p:transition>
         <p14:reveal/>
       </p:transition>
     </mc:Choice>
-    <mc:Fallback>
+    <mc:Fallback xmlns="">
       <p:transition>
         <p:fade/>
       </p:transition>
@@ -35050,30 +35076,21 @@
                             </p:childTnLst>
                           </p:cTn>
                         </p:par>
-                      </p:childTnLst>
-                    </p:cTn>
-                  </p:par>
-                  <p:par>
-                    <p:cTn id="13" fill="hold">
-                      <p:stCondLst>
-                        <p:cond delay="indefinite"/>
-                      </p:stCondLst>
-                      <p:childTnLst>
                         <p:par>
-                          <p:cTn id="14" fill="hold">
+                          <p:cTn id="13" fill="hold">
                             <p:stCondLst>
-                              <p:cond delay="0"/>
+                              <p:cond delay="250"/>
                             </p:stCondLst>
                             <p:childTnLst>
                               <p:par>
-                                <p:cTn id="15" presetID="10" presetClass="entr" presetSubtype="0" fill="hold" grpId="0" nodeType="clickEffect">
+                                <p:cTn id="14" presetID="10" presetClass="entr" presetSubtype="0" fill="hold" grpId="0" nodeType="afterEffect">
                                   <p:stCondLst>
                                     <p:cond delay="0"/>
                                   </p:stCondLst>
                                   <p:childTnLst>
                                     <p:set>
                                       <p:cBhvr>
-                                        <p:cTn id="16" dur="1" fill="hold">
+                                        <p:cTn id="15" dur="1" fill="hold">
                                           <p:stCondLst>
                                             <p:cond delay="0"/>
                                           </p:stCondLst>
@@ -35095,7 +35112,7 @@
                                     </p:set>
                                     <p:animEffect transition="in" filter="fade">
                                       <p:cBhvr>
-                                        <p:cTn id="17" dur="250"/>
+                                        <p:cTn id="16" dur="250"/>
                                         <p:tgtEl>
                                           <p:spTgt spid="24578">
                                             <p:txEl>
@@ -35136,7 +35153,7 @@
       </p:par>
     </p:tnLst>
     <p:bldLst>
-      <p:bldP spid="24578" grpId="0" uiExpand="1" build="allAtOnce"/>
+      <p:bldP spid="24578" grpId="0" build="allAtOnce"/>
     </p:bldLst>
   </p:timing>
 </p:sld>
@@ -35339,7 +35356,7 @@
                 <a:spcPct val="100000"/>
               </a:lnSpc>
               <a:spcBef>
-                <a:spcPts val="1800"/>
+                <a:spcPts val="2400"/>
               </a:spcBef>
               <a:buClr>
                 <a:schemeClr val="tx1"/>
@@ -35459,7 +35476,7 @@
                 <a:spcPct val="100000"/>
               </a:lnSpc>
               <a:spcBef>
-                <a:spcPts val="1800"/>
+                <a:spcPts val="2400"/>
               </a:spcBef>
               <a:buClr>
                 <a:schemeClr val="tx1"/>
@@ -35503,7 +35520,21 @@
                 <a:latin typeface="Calibri" pitchFamily="34" charset="0"/>
                 <a:cs typeface="Calibri" pitchFamily="34" charset="0"/>
               </a:rPr>
-              <a:t>je podčinjavanje određenih sadržaja postojećim,</a:t>
+              <a:t>je </a:t>
+            </a:r>
+            <a:r>
+              <a:rPr lang="hr-HR" sz="2400" dirty="0" smtClean="0">
+                <a:latin typeface="Calibri" pitchFamily="34" charset="0"/>
+                <a:cs typeface="Calibri" pitchFamily="34" charset="0"/>
+              </a:rPr>
+              <a:t>podčinjavanje</a:t>
+            </a:r>
+            <a:r>
+              <a:rPr lang="vi-VN" sz="2400" dirty="0" smtClean="0">
+                <a:latin typeface="Calibri" pitchFamily="34" charset="0"/>
+                <a:cs typeface="Calibri" pitchFamily="34" charset="0"/>
+              </a:rPr>
+              <a:t> određenih sadržaja postojećim,</a:t>
             </a:r>
             <a:r>
               <a:rPr lang="hr-HR" sz="2400" dirty="0" smtClean="0">
@@ -35545,7 +35576,7 @@
               <a:rPr lang="hr-HR" dirty="0" smtClean="0">
                 <a:ea typeface="WenQuanYi Micro Hei" charset="0"/>
               </a:rPr>
-              <a:t>CENZURA I AUTOCENZURA</a:t>
+              <a:t>CENZURA, AUTOCENZURA I MANIPULACIJA</a:t>
             </a:r>
             <a:endParaRPr lang="hr-HR" dirty="0"/>
           </a:p>
@@ -35554,20 +35585,20 @@
     </p:spTree>
     <p:extLst>
       <p:ext uri="{BB962C8B-B14F-4D97-AF65-F5344CB8AC3E}">
-        <p14:creationId xmlns:p14="http://schemas.microsoft.com/office/powerpoint/2010/main" val="2561945443"/>
+        <p14:creationId xmlns:p14="http://schemas.microsoft.com/office/powerpoint/2010/main" val="1545422342"/>
       </p:ext>
     </p:extLst>
   </p:cSld>
   <p:clrMapOvr>
     <a:masterClrMapping/>
   </p:clrMapOvr>
-  <mc:AlternateContent xmlns:mc="http://schemas.openxmlformats.org/markup-compatibility/2006">
-    <mc:Choice xmlns:p14="http://schemas.microsoft.com/office/powerpoint/2010/main" Requires="p14">
+  <mc:AlternateContent xmlns:mc="http://schemas.openxmlformats.org/markup-compatibility/2006" xmlns:p14="http://schemas.microsoft.com/office/powerpoint/2010/main">
+    <mc:Choice Requires="p14">
       <p:transition>
         <p14:reveal/>
       </p:transition>
     </mc:Choice>
-    <mc:Fallback>
+    <mc:Fallback xmlns="">
       <p:transition>
         <p:fade/>
       </p:transition>
@@ -35893,7 +35924,7 @@
       </p:par>
     </p:tnLst>
     <p:bldLst>
-      <p:bldP spid="24578" grpId="0" uiExpand="1" build="allAtOnce"/>
+      <p:bldP spid="24578" grpId="0" build="allAtOnce"/>
     </p:bldLst>
   </p:timing>
 </p:sld>
@@ -36484,13 +36515,13 @@
   <p:clrMapOvr>
     <a:masterClrMapping/>
   </p:clrMapOvr>
-  <mc:AlternateContent xmlns:mc="http://schemas.openxmlformats.org/markup-compatibility/2006">
-    <mc:Choice xmlns:p14="http://schemas.microsoft.com/office/powerpoint/2010/main" Requires="p14">
+  <mc:AlternateContent xmlns:mc="http://schemas.openxmlformats.org/markup-compatibility/2006" xmlns:p14="http://schemas.microsoft.com/office/powerpoint/2010/main">
+    <mc:Choice Requires="p14">
       <p:transition>
         <p14:reveal/>
       </p:transition>
     </mc:Choice>
-    <mc:Fallback>
+    <mc:Fallback xmlns="">
       <p:transition>
         <p:fade/>
       </p:transition>
@@ -37557,13 +37588,13 @@
   <p:clrMapOvr>
     <a:masterClrMapping/>
   </p:clrMapOvr>
-  <mc:AlternateContent xmlns:mc="http://schemas.openxmlformats.org/markup-compatibility/2006">
-    <mc:Choice xmlns:p14="http://schemas.microsoft.com/office/powerpoint/2010/main" Requires="p14">
+  <mc:AlternateContent xmlns:mc="http://schemas.openxmlformats.org/markup-compatibility/2006" xmlns:p14="http://schemas.microsoft.com/office/powerpoint/2010/main">
+    <mc:Choice Requires="p14">
       <p:transition>
         <p14:reveal/>
       </p:transition>
     </mc:Choice>
-    <mc:Fallback>
+    <mc:Fallback xmlns="">
       <p:transition>
         <p:fade/>
       </p:transition>
@@ -37880,13 +37911,13 @@
   <p:clrMapOvr>
     <a:masterClrMapping/>
   </p:clrMapOvr>
-  <mc:AlternateContent xmlns:mc="http://schemas.openxmlformats.org/markup-compatibility/2006">
-    <mc:Choice xmlns:p14="http://schemas.microsoft.com/office/powerpoint/2010/main" Requires="p14">
+  <mc:AlternateContent xmlns:mc="http://schemas.openxmlformats.org/markup-compatibility/2006" xmlns:p14="http://schemas.microsoft.com/office/powerpoint/2010/main">
+    <mc:Choice Requires="p14">
       <p:transition>
         <p14:reveal/>
       </p:transition>
     </mc:Choice>
-    <mc:Fallback>
+    <mc:Fallback xmlns="">
       <p:transition>
         <p:fade/>
       </p:transition>
@@ -38299,13 +38330,13 @@
   <p:clrMapOvr>
     <a:masterClrMapping/>
   </p:clrMapOvr>
-  <mc:AlternateContent xmlns:mc="http://schemas.openxmlformats.org/markup-compatibility/2006">
-    <mc:Choice xmlns:p14="http://schemas.microsoft.com/office/powerpoint/2010/main" Requires="p14">
+  <mc:AlternateContent xmlns:mc="http://schemas.openxmlformats.org/markup-compatibility/2006" xmlns:p14="http://schemas.microsoft.com/office/powerpoint/2010/main">
+    <mc:Choice Requires="p14">
       <p:transition>
         <p14:reveal/>
       </p:transition>
     </mc:Choice>
-    <mc:Fallback>
+    <mc:Fallback xmlns="">
       <p:transition>
         <p:fade/>
       </p:transition>
@@ -38546,13 +38577,13 @@
   <p:clrMapOvr>
     <a:masterClrMapping/>
   </p:clrMapOvr>
-  <mc:AlternateContent xmlns:mc="http://schemas.openxmlformats.org/markup-compatibility/2006">
-    <mc:Choice xmlns:p14="http://schemas.microsoft.com/office/powerpoint/2010/main" Requires="p14">
+  <mc:AlternateContent xmlns:mc="http://schemas.openxmlformats.org/markup-compatibility/2006" xmlns:p14="http://schemas.microsoft.com/office/powerpoint/2010/main">
+    <mc:Choice Requires="p14">
       <p:transition>
         <p14:reveal/>
       </p:transition>
     </mc:Choice>
-    <mc:Fallback>
+    <mc:Fallback xmlns="">
       <p:transition>
         <p:fade/>
       </p:transition>
@@ -39167,13 +39198,13 @@
   <p:clrMapOvr>
     <a:masterClrMapping/>
   </p:clrMapOvr>
-  <mc:AlternateContent xmlns:mc="http://schemas.openxmlformats.org/markup-compatibility/2006">
-    <mc:Choice xmlns:p14="http://schemas.microsoft.com/office/powerpoint/2010/main" Requires="p14">
+  <mc:AlternateContent xmlns:mc="http://schemas.openxmlformats.org/markup-compatibility/2006" xmlns:p14="http://schemas.microsoft.com/office/powerpoint/2010/main">
+    <mc:Choice Requires="p14">
       <p:transition>
         <p14:reveal/>
       </p:transition>
     </mc:Choice>
-    <mc:Fallback>
+    <mc:Fallback xmlns="">
       <p:transition>
         <p:fade/>
       </p:transition>
@@ -40519,13 +40550,13 @@
   <p:clrMapOvr>
     <a:masterClrMapping/>
   </p:clrMapOvr>
-  <mc:AlternateContent xmlns:mc="http://schemas.openxmlformats.org/markup-compatibility/2006">
-    <mc:Choice xmlns:p14="http://schemas.microsoft.com/office/powerpoint/2010/main" Requires="p14">
+  <mc:AlternateContent xmlns:mc="http://schemas.openxmlformats.org/markup-compatibility/2006" xmlns:p14="http://schemas.microsoft.com/office/powerpoint/2010/main">
+    <mc:Choice Requires="p14">
       <p:transition>
         <p14:reveal/>
       </p:transition>
     </mc:Choice>
-    <mc:Fallback>
+    <mc:Fallback xmlns="">
       <p:transition>
         <p:fade/>
       </p:transition>
@@ -41826,13 +41857,13 @@
   <p:clrMapOvr>
     <a:masterClrMapping/>
   </p:clrMapOvr>
-  <mc:AlternateContent xmlns:mc="http://schemas.openxmlformats.org/markup-compatibility/2006">
-    <mc:Choice xmlns:p14="http://schemas.microsoft.com/office/powerpoint/2010/main" Requires="p14">
+  <mc:AlternateContent xmlns:mc="http://schemas.openxmlformats.org/markup-compatibility/2006" xmlns:p14="http://schemas.microsoft.com/office/powerpoint/2010/main">
+    <mc:Choice Requires="p14">
       <p:transition>
         <p14:reveal/>
       </p:transition>
     </mc:Choice>
-    <mc:Fallback>
+    <mc:Fallback xmlns="">
       <p:transition>
         <p:fade/>
       </p:transition>
